--- a/projects/final-project/GA Project - HK.pptx
+++ b/projects/final-project/GA Project - HK.pptx
@@ -5,7 +5,7 @@
     <p:sldMasterId id="2147484056" r:id="rId1"/>
   </p:sldMasterIdLst>
   <p:notesMasterIdLst>
-    <p:notesMasterId r:id="rId12"/>
+    <p:notesMasterId r:id="rId21"/>
   </p:notesMasterIdLst>
   <p:sldIdLst>
     <p:sldId id="256" r:id="rId2"/>
@@ -18,6 +18,15 @@
     <p:sldId id="263" r:id="rId9"/>
     <p:sldId id="265" r:id="rId10"/>
     <p:sldId id="264" r:id="rId11"/>
+    <p:sldId id="266" r:id="rId12"/>
+    <p:sldId id="267" r:id="rId13"/>
+    <p:sldId id="274" r:id="rId14"/>
+    <p:sldId id="268" r:id="rId15"/>
+    <p:sldId id="269" r:id="rId16"/>
+    <p:sldId id="270" r:id="rId17"/>
+    <p:sldId id="271" r:id="rId18"/>
+    <p:sldId id="272" r:id="rId19"/>
+    <p:sldId id="273" r:id="rId20"/>
   </p:sldIdLst>
   <p:sldSz cx="12192000" cy="6858000"/>
   <p:notesSz cx="6858000" cy="9144000"/>
@@ -206,7 +215,7 @@
           <a:p>
             <a:fld id="{26D71F4C-EC7A-8248-A0A1-23E335D6F51A}" type="datetimeFigureOut">
               <a:rPr lang="en-US" smtClean="0"/>
-              <a:t>6/19/17</a:t>
+              <a:t>07/02/2017</a:t>
             </a:fld>
             <a:endParaRPr lang="en-US"/>
           </a:p>
@@ -700,7 +709,7 @@
           <a:p>
             <a:fld id="{ECDBFEC3-CD96-D245-AA34-D0E5E4CD7D14}" type="datetimeFigureOut">
               <a:rPr lang="en-US" smtClean="0"/>
-              <a:t>6/19/17</a:t>
+              <a:t>07/02/2017</a:t>
             </a:fld>
             <a:endParaRPr lang="en-US"/>
           </a:p>
@@ -908,7 +917,7 @@
           <a:p>
             <a:fld id="{ECDBFEC3-CD96-D245-AA34-D0E5E4CD7D14}" type="datetimeFigureOut">
               <a:rPr lang="en-US" smtClean="0"/>
-              <a:t>6/19/17</a:t>
+              <a:t>07/02/2017</a:t>
             </a:fld>
             <a:endParaRPr lang="en-US"/>
           </a:p>
@@ -1159,7 +1168,7 @@
           <a:p>
             <a:fld id="{ECDBFEC3-CD96-D245-AA34-D0E5E4CD7D14}" type="datetimeFigureOut">
               <a:rPr lang="en-US" smtClean="0"/>
-              <a:t>6/19/17</a:t>
+              <a:t>07/02/2017</a:t>
             </a:fld>
             <a:endParaRPr lang="en-US"/>
           </a:p>
@@ -1328,7 +1337,7 @@
           <a:p>
             <a:fld id="{ECDBFEC3-CD96-D245-AA34-D0E5E4CD7D14}" type="datetimeFigureOut">
               <a:rPr lang="en-US" smtClean="0"/>
-              <a:t>6/19/17</a:t>
+              <a:t>07/02/2017</a:t>
             </a:fld>
             <a:endParaRPr lang="en-US"/>
           </a:p>
@@ -1666,7 +1675,7 @@
           <a:p>
             <a:fld id="{ECDBFEC3-CD96-D245-AA34-D0E5E4CD7D14}" type="datetimeFigureOut">
               <a:rPr lang="en-US" smtClean="0"/>
-              <a:t>6/19/17</a:t>
+              <a:t>07/02/2017</a:t>
             </a:fld>
             <a:endParaRPr lang="en-US"/>
           </a:p>
@@ -1936,7 +1945,7 @@
           <a:p>
             <a:fld id="{ECDBFEC3-CD96-D245-AA34-D0E5E4CD7D14}" type="datetimeFigureOut">
               <a:rPr lang="en-US" smtClean="0"/>
-              <a:t>6/19/17</a:t>
+              <a:t>07/02/2017</a:t>
             </a:fld>
             <a:endParaRPr lang="en-US"/>
           </a:p>
@@ -2310,7 +2319,7 @@
           <a:p>
             <a:fld id="{ECDBFEC3-CD96-D245-AA34-D0E5E4CD7D14}" type="datetimeFigureOut">
               <a:rPr lang="en-US" smtClean="0"/>
-              <a:t>6/19/17</a:t>
+              <a:t>07/02/2017</a:t>
             </a:fld>
             <a:endParaRPr lang="en-US"/>
           </a:p>
@@ -2423,7 +2432,7 @@
           <a:p>
             <a:fld id="{ECDBFEC3-CD96-D245-AA34-D0E5E4CD7D14}" type="datetimeFigureOut">
               <a:rPr lang="en-US" smtClean="0"/>
-              <a:t>6/19/17</a:t>
+              <a:t>07/02/2017</a:t>
             </a:fld>
             <a:endParaRPr lang="en-US"/>
           </a:p>
@@ -2589,7 +2598,7 @@
           <a:p>
             <a:fld id="{ECDBFEC3-CD96-D245-AA34-D0E5E4CD7D14}" type="datetimeFigureOut">
               <a:rPr lang="en-US" smtClean="0"/>
-              <a:t>6/19/17</a:t>
+              <a:t>07/02/2017</a:t>
             </a:fld>
             <a:endParaRPr lang="en-US"/>
           </a:p>
@@ -2943,7 +2952,7 @@
           <a:p>
             <a:fld id="{ECDBFEC3-CD96-D245-AA34-D0E5E4CD7D14}" type="datetimeFigureOut">
               <a:rPr lang="en-US" smtClean="0"/>
-              <a:t>6/19/17</a:t>
+              <a:t>07/02/2017</a:t>
             </a:fld>
             <a:endParaRPr lang="en-US"/>
           </a:p>
@@ -3322,7 +3331,7 @@
           <a:p>
             <a:fld id="{ECDBFEC3-CD96-D245-AA34-D0E5E4CD7D14}" type="datetimeFigureOut">
               <a:rPr lang="en-US" smtClean="0"/>
-              <a:t>6/19/17</a:t>
+              <a:t>07/02/2017</a:t>
             </a:fld>
             <a:endParaRPr lang="en-US"/>
           </a:p>
@@ -3604,7 +3613,7 @@
           <a:p>
             <a:fld id="{ECDBFEC3-CD96-D245-AA34-D0E5E4CD7D14}" type="datetimeFigureOut">
               <a:rPr lang="en-US" smtClean="0"/>
-              <a:t>6/19/17</a:t>
+              <a:t>07/02/2017</a:t>
             </a:fld>
             <a:endParaRPr lang="en-US"/>
           </a:p>
@@ -4298,8 +4307,84 @@
             </a:r>
             <a:r>
               <a:rPr lang="en-US" sz="2000" dirty="0" smtClean="0"/>
-              <a:t> ( or a later date as determined by the analysis ) with a false negative rate less than 3</a:t>
-            </a:r>
+              <a:t> ( or a later date as determined by the analysis ) with a false negative rate less than </a:t>
+            </a:r>
+            <a:r>
+              <a:rPr lang="en-US" sz="2000" dirty="0" smtClean="0"/>
+              <a:t>3</a:t>
+            </a:r>
+          </a:p>
+          <a:p>
+            <a:pPr marL="201168" lvl="1" indent="0">
+              <a:buNone/>
+            </a:pPr>
+            <a:endParaRPr lang="en-US" sz="2000" dirty="0"/>
+          </a:p>
+          <a:p>
+            <a:pPr marL="201168" lvl="1" indent="0">
+              <a:buNone/>
+            </a:pPr>
+            <a:r>
+              <a:rPr lang="en-US" sz="2000" b="1" dirty="0" smtClean="0"/>
+              <a:t>Revised Success Criteria ( 07/02/2017 ):</a:t>
+            </a:r>
+          </a:p>
+          <a:p>
+            <a:pPr marL="201168" lvl="1" indent="0">
+              <a:buNone/>
+            </a:pPr>
+            <a:r>
+              <a:rPr lang="en-US" sz="2000" dirty="0" smtClean="0"/>
+              <a:t>I have expanded the modeling set to causes of losses other than ‘Vehicle’ and that leads to a very low target signal in the dataset.</a:t>
+            </a:r>
+          </a:p>
+          <a:p>
+            <a:pPr marL="201168" lvl="1" indent="0">
+              <a:buNone/>
+            </a:pPr>
+            <a:r>
+              <a:rPr lang="en-US" sz="2000" dirty="0" smtClean="0"/>
+              <a:t>New Success Criteria: </a:t>
+            </a:r>
+          </a:p>
+          <a:p>
+            <a:pPr marL="201168" lvl="1" indent="0">
+              <a:buNone/>
+            </a:pPr>
+            <a:r>
+              <a:rPr lang="en-US" sz="2000" dirty="0" smtClean="0"/>
+              <a:t>Ability </a:t>
+            </a:r>
+            <a:r>
+              <a:rPr lang="en-US" sz="2000" dirty="0"/>
+              <a:t>to identify subrogation potential by 7</a:t>
+            </a:r>
+            <a:r>
+              <a:rPr lang="en-US" sz="2000" baseline="30000" dirty="0"/>
+              <a:t>th</a:t>
+            </a:r>
+            <a:r>
+              <a:rPr lang="en-US" sz="2000" dirty="0"/>
+              <a:t> </a:t>
+            </a:r>
+            <a:r>
+              <a:rPr lang="en-US" sz="2000" dirty="0" smtClean="0"/>
+              <a:t>day </a:t>
+            </a:r>
+            <a:r>
+              <a:rPr lang="en-US" sz="2000" dirty="0"/>
+              <a:t>with a false negative </a:t>
+            </a:r>
+            <a:r>
+              <a:rPr lang="en-US" sz="2000" dirty="0" smtClean="0"/>
+              <a:t>&lt; 6</a:t>
+            </a:r>
+            <a:endParaRPr lang="en-US" sz="2000" dirty="0"/>
+          </a:p>
+          <a:p>
+            <a:pPr marL="201168" lvl="1" indent="0">
+              <a:buNone/>
+            </a:pPr>
             <a:endParaRPr lang="en-US" sz="2000" dirty="0"/>
           </a:p>
         </p:txBody>
@@ -4308,6 +4393,1052 @@
     <p:extLst>
       <p:ext uri="{BB962C8B-B14F-4D97-AF65-F5344CB8AC3E}">
         <p14:creationId xmlns:p14="http://schemas.microsoft.com/office/powerpoint/2010/main" val="379237317"/>
+      </p:ext>
+    </p:extLst>
+  </p:cSld>
+  <p:clrMapOvr>
+    <a:masterClrMapping/>
+  </p:clrMapOvr>
+</p:sld>
+</file>
+
+<file path=ppt/slides/slide11.xml><?xml version="1.0" encoding="utf-8"?>
+<p:sld xmlns:a="http://schemas.openxmlformats.org/drawingml/2006/main" xmlns:r="http://schemas.openxmlformats.org/officeDocument/2006/relationships" xmlns:p="http://schemas.openxmlformats.org/presentationml/2006/main">
+  <p:cSld>
+    <p:spTree>
+      <p:nvGrpSpPr>
+        <p:cNvPr id="1" name=""/>
+        <p:cNvGrpSpPr/>
+        <p:nvPr/>
+      </p:nvGrpSpPr>
+      <p:grpSpPr>
+        <a:xfrm>
+          <a:off x="0" y="0"/>
+          <a:ext cx="0" cy="0"/>
+          <a:chOff x="0" y="0"/>
+          <a:chExt cx="0" cy="0"/>
+        </a:xfrm>
+      </p:grpSpPr>
+      <p:sp>
+        <p:nvSpPr>
+          <p:cNvPr id="2" name="Title 1"/>
+          <p:cNvSpPr>
+            <a:spLocks noGrp="1"/>
+          </p:cNvSpPr>
+          <p:nvPr>
+            <p:ph type="ctrTitle"/>
+          </p:nvPr>
+        </p:nvSpPr>
+        <p:spPr/>
+        <p:txBody>
+          <a:bodyPr>
+            <a:normAutofit/>
+          </a:bodyPr>
+          <a:lstStyle/>
+          <a:p>
+            <a:r>
+              <a:rPr lang="en-US" dirty="0" smtClean="0"/>
+              <a:t>GA - Project Part </a:t>
+            </a:r>
+            <a:r>
+              <a:rPr lang="en-US" dirty="0" smtClean="0"/>
+              <a:t>3</a:t>
+            </a:r>
+            <a:r>
+              <a:rPr lang="en-US" dirty="0" smtClean="0"/>
+              <a:t/>
+            </a:r>
+            <a:br>
+              <a:rPr lang="en-US" dirty="0" smtClean="0"/>
+            </a:br>
+            <a:r>
+              <a:rPr lang="en-US" sz="4000" dirty="0" smtClean="0"/>
+              <a:t>( </a:t>
+            </a:r>
+            <a:r>
+              <a:rPr lang="en-US" sz="4000" dirty="0" smtClean="0"/>
+              <a:t>Exploratory Data Analysis)</a:t>
+            </a:r>
+            <a:endParaRPr lang="en-US" sz="4000" dirty="0"/>
+          </a:p>
+        </p:txBody>
+      </p:sp>
+      <p:sp>
+        <p:nvSpPr>
+          <p:cNvPr id="3" name="Subtitle 2"/>
+          <p:cNvSpPr>
+            <a:spLocks noGrp="1"/>
+          </p:cNvSpPr>
+          <p:nvPr>
+            <p:ph type="subTitle" idx="1"/>
+          </p:nvPr>
+        </p:nvSpPr>
+        <p:spPr/>
+        <p:txBody>
+          <a:bodyPr/>
+          <a:lstStyle/>
+          <a:p>
+            <a:r>
+              <a:rPr lang="en-US" dirty="0" smtClean="0"/>
+              <a:t>Harini Kalavala – </a:t>
+            </a:r>
+            <a:r>
+              <a:rPr lang="en-US" dirty="0" smtClean="0"/>
+              <a:t>Jul </a:t>
+            </a:r>
+            <a:r>
+              <a:rPr lang="en-US" dirty="0" smtClean="0"/>
+              <a:t>2017</a:t>
+            </a:r>
+            <a:endParaRPr lang="en-US" dirty="0"/>
+          </a:p>
+        </p:txBody>
+      </p:sp>
+    </p:spTree>
+    <p:extLst>
+      <p:ext uri="{BB962C8B-B14F-4D97-AF65-F5344CB8AC3E}">
+        <p14:creationId xmlns:p14="http://schemas.microsoft.com/office/powerpoint/2010/main" val="1644330323"/>
+      </p:ext>
+    </p:extLst>
+  </p:cSld>
+  <p:clrMapOvr>
+    <a:masterClrMapping/>
+  </p:clrMapOvr>
+  <p:timing>
+    <p:tnLst>
+      <p:par>
+        <p:cTn id="1" dur="indefinite" restart="never" nodeType="tmRoot"/>
+      </p:par>
+    </p:tnLst>
+  </p:timing>
+</p:sld>
+</file>
+
+<file path=ppt/slides/slide12.xml><?xml version="1.0" encoding="utf-8"?>
+<p:sld xmlns:a="http://schemas.openxmlformats.org/drawingml/2006/main" xmlns:r="http://schemas.openxmlformats.org/officeDocument/2006/relationships" xmlns:p="http://schemas.openxmlformats.org/presentationml/2006/main">
+  <p:cSld>
+    <p:spTree>
+      <p:nvGrpSpPr>
+        <p:cNvPr id="1" name=""/>
+        <p:cNvGrpSpPr/>
+        <p:nvPr/>
+      </p:nvGrpSpPr>
+      <p:grpSpPr>
+        <a:xfrm>
+          <a:off x="0" y="0"/>
+          <a:ext cx="0" cy="0"/>
+          <a:chOff x="0" y="0"/>
+          <a:chExt cx="0" cy="0"/>
+        </a:xfrm>
+      </p:grpSpPr>
+      <p:sp>
+        <p:nvSpPr>
+          <p:cNvPr id="2" name="Title 1"/>
+          <p:cNvSpPr>
+            <a:spLocks noGrp="1"/>
+          </p:cNvSpPr>
+          <p:nvPr>
+            <p:ph type="title"/>
+          </p:nvPr>
+        </p:nvSpPr>
+        <p:spPr>
+          <a:xfrm>
+            <a:off x="1097280" y="286603"/>
+            <a:ext cx="10058400" cy="1395893"/>
+          </a:xfrm>
+        </p:spPr>
+        <p:txBody>
+          <a:bodyPr/>
+          <a:lstStyle/>
+          <a:p>
+            <a:r>
+              <a:rPr lang="en-US" dirty="0" err="1" smtClean="0"/>
+              <a:t>DataSet</a:t>
+            </a:r>
+            <a:r>
+              <a:rPr lang="en-US" dirty="0" smtClean="0"/>
+              <a:t> Summary:</a:t>
+            </a:r>
+            <a:endParaRPr lang="en-US" dirty="0"/>
+          </a:p>
+        </p:txBody>
+      </p:sp>
+      <p:sp>
+        <p:nvSpPr>
+          <p:cNvPr id="3" name="Content Placeholder 2"/>
+          <p:cNvSpPr>
+            <a:spLocks noGrp="1"/>
+          </p:cNvSpPr>
+          <p:nvPr>
+            <p:ph idx="1"/>
+          </p:nvPr>
+        </p:nvSpPr>
+        <p:spPr>
+          <a:xfrm>
+            <a:off x="1097279" y="1833859"/>
+            <a:ext cx="10386159" cy="4471938"/>
+          </a:xfrm>
+        </p:spPr>
+        <p:txBody>
+          <a:bodyPr>
+            <a:normAutofit lnSpcReduction="10000"/>
+          </a:bodyPr>
+          <a:lstStyle/>
+          <a:p>
+            <a:pPr>
+              <a:buFont typeface="Arial" panose="020B0604020202020204" pitchFamily="34" charset="0"/>
+              <a:buChar char="•"/>
+            </a:pPr>
+            <a:r>
+              <a:rPr lang="en-US" sz="2200" dirty="0"/>
+              <a:t> </a:t>
+            </a:r>
+            <a:r>
+              <a:rPr lang="en-US" sz="2200" dirty="0" smtClean="0"/>
+              <a:t> Focused</a:t>
+            </a:r>
+            <a:r>
+              <a:rPr lang="en-US" sz="2200" dirty="0" smtClean="0"/>
+              <a:t> on 3 key Causes of Loss as the scope of this project. Consolidated </a:t>
+            </a:r>
+            <a:r>
+              <a:rPr lang="en-US" sz="2200" dirty="0" err="1" smtClean="0"/>
+              <a:t>misc</a:t>
+            </a:r>
+            <a:r>
+              <a:rPr lang="en-US" sz="2200" dirty="0" smtClean="0"/>
+              <a:t> low volume cause of losses into other</a:t>
+            </a:r>
+          </a:p>
+          <a:p>
+            <a:pPr lvl="1">
+              <a:buFont typeface="Arial" panose="020B0604020202020204" pitchFamily="34" charset="0"/>
+              <a:buChar char="•"/>
+            </a:pPr>
+            <a:r>
+              <a:rPr lang="en-US" i="1" dirty="0" smtClean="0"/>
+              <a:t>Vehicle</a:t>
+            </a:r>
+          </a:p>
+          <a:p>
+            <a:pPr lvl="1">
+              <a:buFont typeface="Arial" panose="020B0604020202020204" pitchFamily="34" charset="0"/>
+              <a:buChar char="•"/>
+            </a:pPr>
+            <a:r>
+              <a:rPr lang="en-US" sz="1800" i="1" dirty="0" smtClean="0"/>
+              <a:t>Water</a:t>
+            </a:r>
+          </a:p>
+          <a:p>
+            <a:pPr lvl="1">
+              <a:buFont typeface="Arial" panose="020B0604020202020204" pitchFamily="34" charset="0"/>
+              <a:buChar char="•"/>
+            </a:pPr>
+            <a:r>
+              <a:rPr lang="en-US" i="1" dirty="0" smtClean="0"/>
+              <a:t>Fire &amp; Removal</a:t>
+            </a:r>
+          </a:p>
+          <a:p>
+            <a:pPr>
+              <a:buFont typeface="Arial" panose="020B0604020202020204" pitchFamily="34" charset="0"/>
+              <a:buChar char="•"/>
+            </a:pPr>
+            <a:r>
+              <a:rPr lang="en-US" i="1" dirty="0" smtClean="0"/>
+              <a:t> </a:t>
+            </a:r>
+            <a:r>
+              <a:rPr lang="en-US" dirty="0" smtClean="0"/>
+              <a:t>Gathered the predictor variables as well as concatenated adjuster notes as of Day 7 into the life of a claim.</a:t>
+            </a:r>
+          </a:p>
+          <a:p>
+            <a:pPr>
+              <a:buFont typeface="Arial" panose="020B0604020202020204" pitchFamily="34" charset="0"/>
+              <a:buChar char="•"/>
+            </a:pPr>
+            <a:r>
+              <a:rPr lang="en-US" sz="2000" i="1" dirty="0"/>
+              <a:t> </a:t>
+            </a:r>
+            <a:r>
+              <a:rPr lang="en-US" dirty="0" smtClean="0"/>
+              <a:t>Took all claims created in 2015 to account for any seasonality differences into while training the model.</a:t>
+            </a:r>
+          </a:p>
+          <a:p>
+            <a:pPr>
+              <a:buFont typeface="Arial" panose="020B0604020202020204" pitchFamily="34" charset="0"/>
+              <a:buChar char="•"/>
+            </a:pPr>
+            <a:r>
+              <a:rPr lang="en-US" sz="2000" i="1" dirty="0"/>
+              <a:t> </a:t>
+            </a:r>
+            <a:r>
+              <a:rPr lang="en-US" dirty="0" smtClean="0"/>
+              <a:t>Separated the full dataset into Training ( 70% ) and Test ( 30% ) Sets. This is done so we can get the final performance metrics against the Test set vs the training set.  Retained both Recovery Amount and the Recovery Flag in the test set so I can try to fit both classification and regression models.</a:t>
+            </a:r>
+          </a:p>
+          <a:p>
+            <a:pPr>
+              <a:buFont typeface="Arial" panose="020B0604020202020204" pitchFamily="34" charset="0"/>
+              <a:buChar char="•"/>
+            </a:pPr>
+            <a:r>
+              <a:rPr lang="en-US" sz="2000" i="1" dirty="0"/>
+              <a:t> </a:t>
+            </a:r>
+            <a:r>
+              <a:rPr lang="en-US" dirty="0" smtClean="0"/>
+              <a:t>Training Set Count : 36K </a:t>
+            </a:r>
+            <a:r>
+              <a:rPr lang="en-US" sz="2000" i="1" dirty="0" smtClean="0"/>
+              <a:t> </a:t>
+            </a:r>
+            <a:r>
+              <a:rPr lang="en-US" dirty="0" smtClean="0"/>
+              <a:t>Test Set: 15 K</a:t>
+            </a:r>
+            <a:endParaRPr lang="en-US" sz="2000" i="1" dirty="0"/>
+          </a:p>
+        </p:txBody>
+      </p:sp>
+    </p:spTree>
+    <p:extLst>
+      <p:ext uri="{BB962C8B-B14F-4D97-AF65-F5344CB8AC3E}">
+        <p14:creationId xmlns:p14="http://schemas.microsoft.com/office/powerpoint/2010/main" val="3922199126"/>
+      </p:ext>
+    </p:extLst>
+  </p:cSld>
+  <p:clrMapOvr>
+    <a:masterClrMapping/>
+  </p:clrMapOvr>
+</p:sld>
+</file>
+
+<file path=ppt/slides/slide13.xml><?xml version="1.0" encoding="utf-8"?>
+<p:sld xmlns:a="http://schemas.openxmlformats.org/drawingml/2006/main" xmlns:r="http://schemas.openxmlformats.org/officeDocument/2006/relationships" xmlns:p="http://schemas.openxmlformats.org/presentationml/2006/main">
+  <p:cSld>
+    <p:spTree>
+      <p:nvGrpSpPr>
+        <p:cNvPr id="1" name=""/>
+        <p:cNvGrpSpPr/>
+        <p:nvPr/>
+      </p:nvGrpSpPr>
+      <p:grpSpPr>
+        <a:xfrm>
+          <a:off x="0" y="0"/>
+          <a:ext cx="0" cy="0"/>
+          <a:chOff x="0" y="0"/>
+          <a:chExt cx="0" cy="0"/>
+        </a:xfrm>
+      </p:grpSpPr>
+      <p:sp>
+        <p:nvSpPr>
+          <p:cNvPr id="2" name="Title 1"/>
+          <p:cNvSpPr>
+            <a:spLocks noGrp="1"/>
+          </p:cNvSpPr>
+          <p:nvPr>
+            <p:ph type="title"/>
+          </p:nvPr>
+        </p:nvSpPr>
+        <p:spPr/>
+        <p:txBody>
+          <a:bodyPr>
+            <a:normAutofit/>
+          </a:bodyPr>
+          <a:lstStyle/>
+          <a:p>
+            <a:r>
+              <a:rPr lang="en-US" sz="4000" dirty="0"/>
+              <a:t>Exploratory Data Analysis:</a:t>
+            </a:r>
+            <a:br>
+              <a:rPr lang="en-US" sz="4000" dirty="0"/>
+            </a:br>
+            <a:r>
+              <a:rPr lang="en-US" sz="2700" dirty="0" smtClean="0"/>
+              <a:t>Listing Variables and it’s types</a:t>
+            </a:r>
+            <a:endParaRPr lang="en-US" sz="2700" dirty="0"/>
+          </a:p>
+        </p:txBody>
+      </p:sp>
+      <p:pic>
+        <p:nvPicPr>
+          <p:cNvPr id="4" name="Content Placeholder 3"/>
+          <p:cNvPicPr>
+            <a:picLocks noGrp="1" noChangeAspect="1"/>
+          </p:cNvPicPr>
+          <p:nvPr>
+            <p:ph idx="1"/>
+          </p:nvPr>
+        </p:nvPicPr>
+        <p:blipFill>
+          <a:blip r:embed="rId2"/>
+          <a:stretch>
+            <a:fillRect/>
+          </a:stretch>
+        </p:blipFill>
+        <p:spPr>
+          <a:xfrm>
+            <a:off x="3906838" y="1866900"/>
+            <a:ext cx="4438650" cy="3981450"/>
+          </a:xfrm>
+          <a:prstGeom prst="rect">
+            <a:avLst/>
+          </a:prstGeom>
+        </p:spPr>
+      </p:pic>
+    </p:spTree>
+    <p:extLst>
+      <p:ext uri="{BB962C8B-B14F-4D97-AF65-F5344CB8AC3E}">
+        <p14:creationId xmlns:p14="http://schemas.microsoft.com/office/powerpoint/2010/main" val="423922844"/>
+      </p:ext>
+    </p:extLst>
+  </p:cSld>
+  <p:clrMapOvr>
+    <a:masterClrMapping/>
+  </p:clrMapOvr>
+</p:sld>
+</file>
+
+<file path=ppt/slides/slide14.xml><?xml version="1.0" encoding="utf-8"?>
+<p:sld xmlns:a="http://schemas.openxmlformats.org/drawingml/2006/main" xmlns:r="http://schemas.openxmlformats.org/officeDocument/2006/relationships" xmlns:p="http://schemas.openxmlformats.org/presentationml/2006/main">
+  <p:cSld>
+    <p:spTree>
+      <p:nvGrpSpPr>
+        <p:cNvPr id="1" name=""/>
+        <p:cNvGrpSpPr/>
+        <p:nvPr/>
+      </p:nvGrpSpPr>
+      <p:grpSpPr>
+        <a:xfrm>
+          <a:off x="0" y="0"/>
+          <a:ext cx="0" cy="0"/>
+          <a:chOff x="0" y="0"/>
+          <a:chExt cx="0" cy="0"/>
+        </a:xfrm>
+      </p:grpSpPr>
+      <p:sp>
+        <p:nvSpPr>
+          <p:cNvPr id="2" name="Title 1"/>
+          <p:cNvSpPr>
+            <a:spLocks noGrp="1"/>
+          </p:cNvSpPr>
+          <p:nvPr>
+            <p:ph type="title"/>
+          </p:nvPr>
+        </p:nvSpPr>
+        <p:spPr>
+          <a:xfrm>
+            <a:off x="1097280" y="286603"/>
+            <a:ext cx="10058400" cy="1395893"/>
+          </a:xfrm>
+        </p:spPr>
+        <p:txBody>
+          <a:bodyPr>
+            <a:normAutofit/>
+          </a:bodyPr>
+          <a:lstStyle/>
+          <a:p>
+            <a:r>
+              <a:rPr lang="en-US" sz="3600" dirty="0" smtClean="0"/>
+              <a:t>Exploratory Data </a:t>
+            </a:r>
+            <a:r>
+              <a:rPr lang="en-US" sz="3600" dirty="0"/>
+              <a:t>Analysis:</a:t>
+            </a:r>
+            <a:br>
+              <a:rPr lang="en-US" sz="3600" dirty="0"/>
+            </a:br>
+            <a:r>
+              <a:rPr lang="en-US" sz="2200" dirty="0" smtClean="0"/>
+              <a:t>The </a:t>
+            </a:r>
+            <a:r>
+              <a:rPr lang="en-US" sz="2200" dirty="0"/>
+              <a:t>target recovery percent is 2%. That is 2% of the claims have a recovery $.</a:t>
+            </a:r>
+            <a:br>
+              <a:rPr lang="en-US" sz="2200" dirty="0"/>
+            </a:br>
+            <a:endParaRPr lang="en-US" sz="2200" dirty="0"/>
+          </a:p>
+        </p:txBody>
+      </p:sp>
+      <p:pic>
+        <p:nvPicPr>
+          <p:cNvPr id="4" name="Content Placeholder 3"/>
+          <p:cNvPicPr>
+            <a:picLocks noGrp="1" noChangeAspect="1"/>
+          </p:cNvPicPr>
+          <p:nvPr>
+            <p:ph idx="1"/>
+          </p:nvPr>
+        </p:nvPicPr>
+        <p:blipFill>
+          <a:blip r:embed="rId2"/>
+          <a:stretch>
+            <a:fillRect/>
+          </a:stretch>
+        </p:blipFill>
+        <p:spPr>
+          <a:xfrm>
+            <a:off x="2132806" y="2478881"/>
+            <a:ext cx="8315325" cy="3181350"/>
+          </a:xfrm>
+          <a:prstGeom prst="rect">
+            <a:avLst/>
+          </a:prstGeom>
+        </p:spPr>
+      </p:pic>
+    </p:spTree>
+    <p:extLst>
+      <p:ext uri="{BB962C8B-B14F-4D97-AF65-F5344CB8AC3E}">
+        <p14:creationId xmlns:p14="http://schemas.microsoft.com/office/powerpoint/2010/main" val="424767131"/>
+      </p:ext>
+    </p:extLst>
+  </p:cSld>
+  <p:clrMapOvr>
+    <a:masterClrMapping/>
+  </p:clrMapOvr>
+</p:sld>
+</file>
+
+<file path=ppt/slides/slide15.xml><?xml version="1.0" encoding="utf-8"?>
+<p:sld xmlns:a="http://schemas.openxmlformats.org/drawingml/2006/main" xmlns:r="http://schemas.openxmlformats.org/officeDocument/2006/relationships" xmlns:p="http://schemas.openxmlformats.org/presentationml/2006/main">
+  <p:cSld>
+    <p:spTree>
+      <p:nvGrpSpPr>
+        <p:cNvPr id="1" name=""/>
+        <p:cNvGrpSpPr/>
+        <p:nvPr/>
+      </p:nvGrpSpPr>
+      <p:grpSpPr>
+        <a:xfrm>
+          <a:off x="0" y="0"/>
+          <a:ext cx="0" cy="0"/>
+          <a:chOff x="0" y="0"/>
+          <a:chExt cx="0" cy="0"/>
+        </a:xfrm>
+      </p:grpSpPr>
+      <p:sp>
+        <p:nvSpPr>
+          <p:cNvPr id="2" name="Title 1"/>
+          <p:cNvSpPr>
+            <a:spLocks noGrp="1"/>
+          </p:cNvSpPr>
+          <p:nvPr>
+            <p:ph type="title"/>
+          </p:nvPr>
+        </p:nvSpPr>
+        <p:spPr>
+          <a:xfrm>
+            <a:off x="1097280" y="286603"/>
+            <a:ext cx="10058400" cy="1395893"/>
+          </a:xfrm>
+        </p:spPr>
+        <p:txBody>
+          <a:bodyPr>
+            <a:normAutofit/>
+          </a:bodyPr>
+          <a:lstStyle/>
+          <a:p>
+            <a:r>
+              <a:rPr lang="en-US" sz="3600" dirty="0" smtClean="0"/>
+              <a:t>Exploratory Data </a:t>
+            </a:r>
+            <a:r>
+              <a:rPr lang="en-US" sz="3600" dirty="0"/>
+              <a:t>Analysis:</a:t>
+            </a:r>
+            <a:br>
+              <a:rPr lang="en-US" sz="3600" dirty="0"/>
+            </a:br>
+            <a:r>
+              <a:rPr lang="en-US" sz="2200" dirty="0" smtClean="0"/>
+              <a:t>Variable Correlation Matrix ( not including the adjuster notes )</a:t>
+            </a:r>
+            <a:r>
+              <a:rPr lang="en-US" sz="2200" dirty="0"/>
+              <a:t/>
+            </a:r>
+            <a:br>
+              <a:rPr lang="en-US" sz="2200" dirty="0"/>
+            </a:br>
+            <a:endParaRPr lang="en-US" sz="2200" dirty="0"/>
+          </a:p>
+        </p:txBody>
+      </p:sp>
+      <p:pic>
+        <p:nvPicPr>
+          <p:cNvPr id="5" name="Content Placeholder 4"/>
+          <p:cNvPicPr>
+            <a:picLocks noGrp="1" noChangeAspect="1"/>
+          </p:cNvPicPr>
+          <p:nvPr>
+            <p:ph idx="1"/>
+          </p:nvPr>
+        </p:nvPicPr>
+        <p:blipFill>
+          <a:blip r:embed="rId2"/>
+          <a:stretch>
+            <a:fillRect/>
+          </a:stretch>
+        </p:blipFill>
+        <p:spPr>
+          <a:xfrm>
+            <a:off x="1487488" y="1947863"/>
+            <a:ext cx="9277350" cy="3819525"/>
+          </a:xfrm>
+          <a:prstGeom prst="rect">
+            <a:avLst/>
+          </a:prstGeom>
+        </p:spPr>
+      </p:pic>
+    </p:spTree>
+    <p:extLst>
+      <p:ext uri="{BB962C8B-B14F-4D97-AF65-F5344CB8AC3E}">
+        <p14:creationId xmlns:p14="http://schemas.microsoft.com/office/powerpoint/2010/main" val="1469338356"/>
+      </p:ext>
+    </p:extLst>
+  </p:cSld>
+  <p:clrMapOvr>
+    <a:masterClrMapping/>
+  </p:clrMapOvr>
+</p:sld>
+</file>
+
+<file path=ppt/slides/slide16.xml><?xml version="1.0" encoding="utf-8"?>
+<p:sld xmlns:a="http://schemas.openxmlformats.org/drawingml/2006/main" xmlns:r="http://schemas.openxmlformats.org/officeDocument/2006/relationships" xmlns:p="http://schemas.openxmlformats.org/presentationml/2006/main">
+  <p:cSld>
+    <p:spTree>
+      <p:nvGrpSpPr>
+        <p:cNvPr id="1" name=""/>
+        <p:cNvGrpSpPr/>
+        <p:nvPr/>
+      </p:nvGrpSpPr>
+      <p:grpSpPr>
+        <a:xfrm>
+          <a:off x="0" y="0"/>
+          <a:ext cx="0" cy="0"/>
+          <a:chOff x="0" y="0"/>
+          <a:chExt cx="0" cy="0"/>
+        </a:xfrm>
+      </p:grpSpPr>
+      <p:sp>
+        <p:nvSpPr>
+          <p:cNvPr id="2" name="Title 1"/>
+          <p:cNvSpPr>
+            <a:spLocks noGrp="1"/>
+          </p:cNvSpPr>
+          <p:nvPr>
+            <p:ph type="title"/>
+          </p:nvPr>
+        </p:nvSpPr>
+        <p:spPr>
+          <a:xfrm>
+            <a:off x="1097280" y="286603"/>
+            <a:ext cx="10058400" cy="1395893"/>
+          </a:xfrm>
+        </p:spPr>
+        <p:txBody>
+          <a:bodyPr>
+            <a:normAutofit/>
+          </a:bodyPr>
+          <a:lstStyle/>
+          <a:p>
+            <a:r>
+              <a:rPr lang="en-US" sz="3600" dirty="0" smtClean="0"/>
+              <a:t>Exploratory Data </a:t>
+            </a:r>
+            <a:r>
+              <a:rPr lang="en-US" sz="3600" dirty="0"/>
+              <a:t>Analysis:</a:t>
+            </a:r>
+            <a:br>
+              <a:rPr lang="en-US" sz="3600" dirty="0"/>
+            </a:br>
+            <a:r>
+              <a:rPr lang="en-US" sz="2200" dirty="0" smtClean="0"/>
+              <a:t>Distribution Plots for Key Continuous Variables:</a:t>
+            </a:r>
+            <a:r>
+              <a:rPr lang="en-US" sz="2200" dirty="0"/>
+              <a:t/>
+            </a:r>
+            <a:br>
+              <a:rPr lang="en-US" sz="2200" dirty="0"/>
+            </a:br>
+            <a:endParaRPr lang="en-US" sz="2200" dirty="0"/>
+          </a:p>
+        </p:txBody>
+      </p:sp>
+      <p:pic>
+        <p:nvPicPr>
+          <p:cNvPr id="4" name="Content Placeholder 3"/>
+          <p:cNvPicPr>
+            <a:picLocks noGrp="1" noChangeAspect="1"/>
+          </p:cNvPicPr>
+          <p:nvPr>
+            <p:ph idx="1"/>
+          </p:nvPr>
+        </p:nvPicPr>
+        <p:blipFill>
+          <a:blip r:embed="rId2"/>
+          <a:stretch>
+            <a:fillRect/>
+          </a:stretch>
+        </p:blipFill>
+        <p:spPr>
+          <a:xfrm>
+            <a:off x="3008551" y="1846263"/>
+            <a:ext cx="6235223" cy="4022725"/>
+          </a:xfrm>
+          <a:prstGeom prst="rect">
+            <a:avLst/>
+          </a:prstGeom>
+        </p:spPr>
+      </p:pic>
+    </p:spTree>
+    <p:extLst>
+      <p:ext uri="{BB962C8B-B14F-4D97-AF65-F5344CB8AC3E}">
+        <p14:creationId xmlns:p14="http://schemas.microsoft.com/office/powerpoint/2010/main" val="391253958"/>
+      </p:ext>
+    </p:extLst>
+  </p:cSld>
+  <p:clrMapOvr>
+    <a:masterClrMapping/>
+  </p:clrMapOvr>
+</p:sld>
+</file>
+
+<file path=ppt/slides/slide17.xml><?xml version="1.0" encoding="utf-8"?>
+<p:sld xmlns:a="http://schemas.openxmlformats.org/drawingml/2006/main" xmlns:r="http://schemas.openxmlformats.org/officeDocument/2006/relationships" xmlns:p="http://schemas.openxmlformats.org/presentationml/2006/main">
+  <p:cSld>
+    <p:spTree>
+      <p:nvGrpSpPr>
+        <p:cNvPr id="1" name=""/>
+        <p:cNvGrpSpPr/>
+        <p:nvPr/>
+      </p:nvGrpSpPr>
+      <p:grpSpPr>
+        <a:xfrm>
+          <a:off x="0" y="0"/>
+          <a:ext cx="0" cy="0"/>
+          <a:chOff x="0" y="0"/>
+          <a:chExt cx="0" cy="0"/>
+        </a:xfrm>
+      </p:grpSpPr>
+      <p:sp>
+        <p:nvSpPr>
+          <p:cNvPr id="2" name="Title 1"/>
+          <p:cNvSpPr>
+            <a:spLocks noGrp="1"/>
+          </p:cNvSpPr>
+          <p:nvPr>
+            <p:ph type="title"/>
+          </p:nvPr>
+        </p:nvSpPr>
+        <p:spPr>
+          <a:xfrm>
+            <a:off x="1097280" y="286603"/>
+            <a:ext cx="10058400" cy="1395893"/>
+          </a:xfrm>
+        </p:spPr>
+        <p:txBody>
+          <a:bodyPr>
+            <a:normAutofit/>
+          </a:bodyPr>
+          <a:lstStyle/>
+          <a:p>
+            <a:r>
+              <a:rPr lang="en-US" sz="3600" dirty="0" smtClean="0"/>
+              <a:t>Exploratory Data </a:t>
+            </a:r>
+            <a:r>
+              <a:rPr lang="en-US" sz="3600" dirty="0"/>
+              <a:t>Analysis:</a:t>
+            </a:r>
+            <a:br>
+              <a:rPr lang="en-US" sz="3600" dirty="0"/>
+            </a:br>
+            <a:r>
+              <a:rPr lang="en-US" sz="2200" dirty="0" smtClean="0"/>
+              <a:t>Distribution Plots for Key Continuous Variables: ( Most reserve values are less than 25K )</a:t>
+            </a:r>
+            <a:r>
+              <a:rPr lang="en-US" sz="2200" dirty="0"/>
+              <a:t/>
+            </a:r>
+            <a:br>
+              <a:rPr lang="en-US" sz="2200" dirty="0"/>
+            </a:br>
+            <a:endParaRPr lang="en-US" sz="2200" dirty="0"/>
+          </a:p>
+        </p:txBody>
+      </p:sp>
+      <p:sp>
+        <p:nvSpPr>
+          <p:cNvPr id="3" name="Content Placeholder 2"/>
+          <p:cNvSpPr>
+            <a:spLocks noGrp="1"/>
+          </p:cNvSpPr>
+          <p:nvPr>
+            <p:ph idx="1"/>
+          </p:nvPr>
+        </p:nvSpPr>
+        <p:spPr>
+          <a:xfrm>
+            <a:off x="859536" y="1845734"/>
+            <a:ext cx="10296144" cy="4335610"/>
+          </a:xfrm>
+        </p:spPr>
+        <p:txBody>
+          <a:bodyPr/>
+          <a:lstStyle/>
+          <a:p>
+            <a:endParaRPr lang="en-US" dirty="0"/>
+          </a:p>
+        </p:txBody>
+      </p:sp>
+      <p:pic>
+        <p:nvPicPr>
+          <p:cNvPr id="5" name="Picture 4"/>
+          <p:cNvPicPr>
+            <a:picLocks noChangeAspect="1"/>
+          </p:cNvPicPr>
+          <p:nvPr/>
+        </p:nvPicPr>
+        <p:blipFill>
+          <a:blip r:embed="rId2"/>
+          <a:stretch>
+            <a:fillRect/>
+          </a:stretch>
+        </p:blipFill>
+        <p:spPr>
+          <a:xfrm>
+            <a:off x="3210877" y="1869907"/>
+            <a:ext cx="5495925" cy="4162425"/>
+          </a:xfrm>
+          <a:prstGeom prst="rect">
+            <a:avLst/>
+          </a:prstGeom>
+        </p:spPr>
+      </p:pic>
+    </p:spTree>
+    <p:extLst>
+      <p:ext uri="{BB962C8B-B14F-4D97-AF65-F5344CB8AC3E}">
+        <p14:creationId xmlns:p14="http://schemas.microsoft.com/office/powerpoint/2010/main" val="394440258"/>
+      </p:ext>
+    </p:extLst>
+  </p:cSld>
+  <p:clrMapOvr>
+    <a:masterClrMapping/>
+  </p:clrMapOvr>
+</p:sld>
+</file>
+
+<file path=ppt/slides/slide18.xml><?xml version="1.0" encoding="utf-8"?>
+<p:sld xmlns:a="http://schemas.openxmlformats.org/drawingml/2006/main" xmlns:r="http://schemas.openxmlformats.org/officeDocument/2006/relationships" xmlns:p="http://schemas.openxmlformats.org/presentationml/2006/main">
+  <p:cSld>
+    <p:spTree>
+      <p:nvGrpSpPr>
+        <p:cNvPr id="1" name=""/>
+        <p:cNvGrpSpPr/>
+        <p:nvPr/>
+      </p:nvGrpSpPr>
+      <p:grpSpPr>
+        <a:xfrm>
+          <a:off x="0" y="0"/>
+          <a:ext cx="0" cy="0"/>
+          <a:chOff x="0" y="0"/>
+          <a:chExt cx="0" cy="0"/>
+        </a:xfrm>
+      </p:grpSpPr>
+      <p:sp>
+        <p:nvSpPr>
+          <p:cNvPr id="2" name="Title 1"/>
+          <p:cNvSpPr>
+            <a:spLocks noGrp="1"/>
+          </p:cNvSpPr>
+          <p:nvPr>
+            <p:ph type="title"/>
+          </p:nvPr>
+        </p:nvSpPr>
+        <p:spPr>
+          <a:xfrm>
+            <a:off x="1097280" y="286603"/>
+            <a:ext cx="10058400" cy="1112429"/>
+          </a:xfrm>
+        </p:spPr>
+        <p:txBody>
+          <a:bodyPr>
+            <a:normAutofit/>
+          </a:bodyPr>
+          <a:lstStyle/>
+          <a:p>
+            <a:r>
+              <a:rPr lang="en-US" sz="3200" dirty="0"/>
+              <a:t>Exploratory Data Analysis:</a:t>
+            </a:r>
+            <a:br>
+              <a:rPr lang="en-US" sz="3200" dirty="0"/>
+            </a:br>
+            <a:r>
+              <a:rPr lang="en-US" sz="2000" dirty="0"/>
+              <a:t>Distribution Plots for Key Continuous Variables: ( </a:t>
+            </a:r>
+            <a:r>
+              <a:rPr lang="en-US" sz="2000" dirty="0" smtClean="0"/>
+              <a:t>The number of </a:t>
+            </a:r>
+            <a:r>
+              <a:rPr lang="en-US" sz="2000" dirty="0" err="1" smtClean="0"/>
+              <a:t>ilog</a:t>
+            </a:r>
+            <a:r>
+              <a:rPr lang="en-US" sz="2000" dirty="0" smtClean="0"/>
+              <a:t> notes captures are less than 30 for most claims by day 7)</a:t>
+            </a:r>
+            <a:endParaRPr lang="en-US" sz="2000" dirty="0"/>
+          </a:p>
+        </p:txBody>
+      </p:sp>
+      <p:pic>
+        <p:nvPicPr>
+          <p:cNvPr id="4" name="Content Placeholder 3"/>
+          <p:cNvPicPr>
+            <a:picLocks noGrp="1" noChangeAspect="1"/>
+          </p:cNvPicPr>
+          <p:nvPr>
+            <p:ph idx="1"/>
+          </p:nvPr>
+        </p:nvPicPr>
+        <p:blipFill>
+          <a:blip r:embed="rId2"/>
+          <a:stretch>
+            <a:fillRect/>
+          </a:stretch>
+        </p:blipFill>
+        <p:spPr>
+          <a:xfrm>
+            <a:off x="3342015" y="1974279"/>
+            <a:ext cx="5293975" cy="4022725"/>
+          </a:xfrm>
+          <a:prstGeom prst="rect">
+            <a:avLst/>
+          </a:prstGeom>
+        </p:spPr>
+      </p:pic>
+    </p:spTree>
+    <p:extLst>
+      <p:ext uri="{BB962C8B-B14F-4D97-AF65-F5344CB8AC3E}">
+        <p14:creationId xmlns:p14="http://schemas.microsoft.com/office/powerpoint/2010/main" val="3827092973"/>
+      </p:ext>
+    </p:extLst>
+  </p:cSld>
+  <p:clrMapOvr>
+    <a:masterClrMapping/>
+  </p:clrMapOvr>
+</p:sld>
+</file>
+
+<file path=ppt/slides/slide19.xml><?xml version="1.0" encoding="utf-8"?>
+<p:sld xmlns:a="http://schemas.openxmlformats.org/drawingml/2006/main" xmlns:r="http://schemas.openxmlformats.org/officeDocument/2006/relationships" xmlns:p="http://schemas.openxmlformats.org/presentationml/2006/main">
+  <p:cSld>
+    <p:spTree>
+      <p:nvGrpSpPr>
+        <p:cNvPr id="1" name=""/>
+        <p:cNvGrpSpPr/>
+        <p:nvPr/>
+      </p:nvGrpSpPr>
+      <p:grpSpPr>
+        <a:xfrm>
+          <a:off x="0" y="0"/>
+          <a:ext cx="0" cy="0"/>
+          <a:chOff x="0" y="0"/>
+          <a:chExt cx="0" cy="0"/>
+        </a:xfrm>
+      </p:grpSpPr>
+      <p:sp>
+        <p:nvSpPr>
+          <p:cNvPr id="2" name="Title 1"/>
+          <p:cNvSpPr>
+            <a:spLocks noGrp="1"/>
+          </p:cNvSpPr>
+          <p:nvPr>
+            <p:ph type="title"/>
+          </p:nvPr>
+        </p:nvSpPr>
+        <p:spPr>
+          <a:xfrm>
+            <a:off x="1097280" y="286603"/>
+            <a:ext cx="10058400" cy="1194725"/>
+          </a:xfrm>
+        </p:spPr>
+        <p:txBody>
+          <a:bodyPr>
+            <a:normAutofit/>
+          </a:bodyPr>
+          <a:lstStyle/>
+          <a:p>
+            <a:r>
+              <a:rPr lang="en-US" sz="3600" dirty="0"/>
+              <a:t>Exploratory Data Analysis:</a:t>
+            </a:r>
+            <a:br>
+              <a:rPr lang="en-US" sz="3600" dirty="0"/>
+            </a:br>
+            <a:r>
+              <a:rPr lang="en-US" sz="2200" dirty="0"/>
+              <a:t>Distribution Plots for Key Continuous Variables: ( </a:t>
+            </a:r>
+            <a:r>
+              <a:rPr lang="en-US" sz="2200" dirty="0" smtClean="0"/>
+              <a:t>Reserve and Age Of Home Scatter Plot)</a:t>
+            </a:r>
+            <a:endParaRPr lang="en-US" sz="2200" dirty="0"/>
+          </a:p>
+        </p:txBody>
+      </p:sp>
+      <p:pic>
+        <p:nvPicPr>
+          <p:cNvPr id="4" name="Content Placeholder 3"/>
+          <p:cNvPicPr>
+            <a:picLocks noGrp="1" noChangeAspect="1"/>
+          </p:cNvPicPr>
+          <p:nvPr>
+            <p:ph idx="1"/>
+          </p:nvPr>
+        </p:nvPicPr>
+        <p:blipFill>
+          <a:blip r:embed="rId2"/>
+          <a:stretch>
+            <a:fillRect/>
+          </a:stretch>
+        </p:blipFill>
+        <p:spPr>
+          <a:xfrm>
+            <a:off x="3355796" y="1846263"/>
+            <a:ext cx="5540734" cy="4022725"/>
+          </a:xfrm>
+          <a:prstGeom prst="rect">
+            <a:avLst/>
+          </a:prstGeom>
+        </p:spPr>
+      </p:pic>
+    </p:spTree>
+    <p:extLst>
+      <p:ext uri="{BB962C8B-B14F-4D97-AF65-F5344CB8AC3E}">
+        <p14:creationId xmlns:p14="http://schemas.microsoft.com/office/powerpoint/2010/main" val="4052122811"/>
       </p:ext>
     </p:extLst>
   </p:cSld>

--- a/projects/final-project/GA Project - HK.pptx
+++ b/projects/final-project/GA Project - HK.pptx
@@ -215,7 +215,7 @@
           <a:p>
             <a:fld id="{26D71F4C-EC7A-8248-A0A1-23E335D6F51A}" type="datetimeFigureOut">
               <a:rPr lang="en-US" smtClean="0"/>
-              <a:t>07/02/2017</a:t>
+              <a:t>7/9/17</a:t>
             </a:fld>
             <a:endParaRPr lang="en-US"/>
           </a:p>
@@ -709,7 +709,7 @@
           <a:p>
             <a:fld id="{ECDBFEC3-CD96-D245-AA34-D0E5E4CD7D14}" type="datetimeFigureOut">
               <a:rPr lang="en-US" smtClean="0"/>
-              <a:t>07/02/2017</a:t>
+              <a:t>7/9/17</a:t>
             </a:fld>
             <a:endParaRPr lang="en-US"/>
           </a:p>
@@ -917,7 +917,7 @@
           <a:p>
             <a:fld id="{ECDBFEC3-CD96-D245-AA34-D0E5E4CD7D14}" type="datetimeFigureOut">
               <a:rPr lang="en-US" smtClean="0"/>
-              <a:t>07/02/2017</a:t>
+              <a:t>7/9/17</a:t>
             </a:fld>
             <a:endParaRPr lang="en-US"/>
           </a:p>
@@ -1168,7 +1168,7 @@
           <a:p>
             <a:fld id="{ECDBFEC3-CD96-D245-AA34-D0E5E4CD7D14}" type="datetimeFigureOut">
               <a:rPr lang="en-US" smtClean="0"/>
-              <a:t>07/02/2017</a:t>
+              <a:t>7/9/17</a:t>
             </a:fld>
             <a:endParaRPr lang="en-US"/>
           </a:p>
@@ -1337,7 +1337,7 @@
           <a:p>
             <a:fld id="{ECDBFEC3-CD96-D245-AA34-D0E5E4CD7D14}" type="datetimeFigureOut">
               <a:rPr lang="en-US" smtClean="0"/>
-              <a:t>07/02/2017</a:t>
+              <a:t>7/9/17</a:t>
             </a:fld>
             <a:endParaRPr lang="en-US"/>
           </a:p>
@@ -1675,7 +1675,7 @@
           <a:p>
             <a:fld id="{ECDBFEC3-CD96-D245-AA34-D0E5E4CD7D14}" type="datetimeFigureOut">
               <a:rPr lang="en-US" smtClean="0"/>
-              <a:t>07/02/2017</a:t>
+              <a:t>7/9/17</a:t>
             </a:fld>
             <a:endParaRPr lang="en-US"/>
           </a:p>
@@ -1945,7 +1945,7 @@
           <a:p>
             <a:fld id="{ECDBFEC3-CD96-D245-AA34-D0E5E4CD7D14}" type="datetimeFigureOut">
               <a:rPr lang="en-US" smtClean="0"/>
-              <a:t>07/02/2017</a:t>
+              <a:t>7/9/17</a:t>
             </a:fld>
             <a:endParaRPr lang="en-US"/>
           </a:p>
@@ -2319,7 +2319,7 @@
           <a:p>
             <a:fld id="{ECDBFEC3-CD96-D245-AA34-D0E5E4CD7D14}" type="datetimeFigureOut">
               <a:rPr lang="en-US" smtClean="0"/>
-              <a:t>07/02/2017</a:t>
+              <a:t>7/9/17</a:t>
             </a:fld>
             <a:endParaRPr lang="en-US"/>
           </a:p>
@@ -2432,7 +2432,7 @@
           <a:p>
             <a:fld id="{ECDBFEC3-CD96-D245-AA34-D0E5E4CD7D14}" type="datetimeFigureOut">
               <a:rPr lang="en-US" smtClean="0"/>
-              <a:t>07/02/2017</a:t>
+              <a:t>7/9/17</a:t>
             </a:fld>
             <a:endParaRPr lang="en-US"/>
           </a:p>
@@ -2598,7 +2598,7 @@
           <a:p>
             <a:fld id="{ECDBFEC3-CD96-D245-AA34-D0E5E4CD7D14}" type="datetimeFigureOut">
               <a:rPr lang="en-US" smtClean="0"/>
-              <a:t>07/02/2017</a:t>
+              <a:t>7/9/17</a:t>
             </a:fld>
             <a:endParaRPr lang="en-US"/>
           </a:p>
@@ -2952,7 +2952,7 @@
           <a:p>
             <a:fld id="{ECDBFEC3-CD96-D245-AA34-D0E5E4CD7D14}" type="datetimeFigureOut">
               <a:rPr lang="en-US" smtClean="0"/>
-              <a:t>07/02/2017</a:t>
+              <a:t>7/9/17</a:t>
             </a:fld>
             <a:endParaRPr lang="en-US"/>
           </a:p>
@@ -3331,7 +3331,7 @@
           <a:p>
             <a:fld id="{ECDBFEC3-CD96-D245-AA34-D0E5E4CD7D14}" type="datetimeFigureOut">
               <a:rPr lang="en-US" smtClean="0"/>
-              <a:t>07/02/2017</a:t>
+              <a:t>7/9/17</a:t>
             </a:fld>
             <a:endParaRPr lang="en-US"/>
           </a:p>
@@ -3613,7 +3613,7 @@
           <a:p>
             <a:fld id="{ECDBFEC3-CD96-D245-AA34-D0E5E4CD7D14}" type="datetimeFigureOut">
               <a:rPr lang="en-US" smtClean="0"/>
-              <a:t>07/02/2017</a:t>
+              <a:t>7/9/17</a:t>
             </a:fld>
             <a:endParaRPr lang="en-US"/>
           </a:p>
@@ -4310,9 +4310,10 @@
               <a:t> ( or a later date as determined by the analysis ) with a false negative rate less than </a:t>
             </a:r>
             <a:r>
-              <a:rPr lang="en-US" sz="2000" dirty="0" smtClean="0"/>
+              <a:rPr lang="en-US" sz="2000" dirty="0"/>
               <a:t>3</a:t>
             </a:r>
+            <a:endParaRPr lang="en-US" sz="2000" dirty="0" smtClean="0"/>
           </a:p>
           <a:p>
             <a:pPr marL="201168" lvl="1" indent="0">
@@ -4438,26 +4439,14 @@
           <a:p>
             <a:r>
               <a:rPr lang="en-US" dirty="0" smtClean="0"/>
-              <a:t>GA - Project Part </a:t>
-            </a:r>
-            <a:r>
-              <a:rPr lang="en-US" dirty="0" smtClean="0"/>
-              <a:t>3</a:t>
-            </a:r>
-            <a:r>
-              <a:rPr lang="en-US" dirty="0" smtClean="0"/>
-              <a:t/>
+              <a:t>GA - Project Part 3</a:t>
             </a:r>
             <a:br>
               <a:rPr lang="en-US" dirty="0" smtClean="0"/>
             </a:br>
             <a:r>
               <a:rPr lang="en-US" sz="4000" dirty="0" smtClean="0"/>
-              <a:t>( </a:t>
-            </a:r>
-            <a:r>
-              <a:rPr lang="en-US" sz="4000" dirty="0" smtClean="0"/>
-              <a:t>Exploratory Data Analysis)</a:t>
+              <a:t>( Exploratory Data Analysis)</a:t>
             </a:r>
             <a:endParaRPr lang="en-US" sz="4000" dirty="0"/>
           </a:p>
@@ -4480,15 +4469,7 @@
           <a:p>
             <a:r>
               <a:rPr lang="en-US" dirty="0" smtClean="0"/>
-              <a:t>Harini Kalavala – </a:t>
-            </a:r>
-            <a:r>
-              <a:rPr lang="en-US" dirty="0" smtClean="0"/>
-              <a:t>Jul </a:t>
-            </a:r>
-            <a:r>
-              <a:rPr lang="en-US" dirty="0" smtClean="0"/>
-              <a:t>2017</a:t>
+              <a:t>Harini Kalavala – Jul 2017</a:t>
             </a:r>
             <a:endParaRPr lang="en-US" dirty="0"/>
           </a:p>
@@ -4595,11 +4576,7 @@
             </a:r>
             <a:r>
               <a:rPr lang="en-US" sz="2200" dirty="0" smtClean="0"/>
-              <a:t> Focused</a:t>
-            </a:r>
-            <a:r>
-              <a:rPr lang="en-US" sz="2200" dirty="0" smtClean="0"/>
-              <a:t> on 3 key Causes of Loss as the scope of this project. Consolidated </a:t>
+              <a:t> Focused on 3 key Causes of Loss as the scope of this project. Consolidated </a:t>
             </a:r>
             <a:r>
               <a:rPr lang="en-US" sz="2200" dirty="0" err="1" smtClean="0"/>
@@ -4693,7 +4670,11 @@
             </a:r>
             <a:r>
               <a:rPr lang="en-US" dirty="0" smtClean="0"/>
-              <a:t>Training Set Count : 36K </a:t>
+              <a:t>Training Set Count : </a:t>
+            </a:r>
+            <a:r>
+              <a:rPr lang="en-US" dirty="0" smtClean="0"/>
+              <a:t>~36K </a:t>
             </a:r>
             <a:r>
               <a:rPr lang="en-US" sz="2000" i="1" dirty="0" smtClean="0"/>
@@ -4701,7 +4682,15 @@
             </a:r>
             <a:r>
               <a:rPr lang="en-US" dirty="0" smtClean="0"/>
-              <a:t>Test Set: 15 K</a:t>
+              <a:t>Test Set: </a:t>
+            </a:r>
+            <a:r>
+              <a:rPr lang="en-US" dirty="0" smtClean="0"/>
+              <a:t>~15 </a:t>
+            </a:r>
+            <a:r>
+              <a:rPr lang="en-US" dirty="0" smtClean="0"/>
+              <a:t>K</a:t>
             </a:r>
             <a:endParaRPr lang="en-US" sz="2000" i="1" dirty="0"/>
           </a:p>
@@ -6051,7 +6040,7 @@
         <p:spPr/>
         <p:txBody>
           <a:bodyPr>
-            <a:normAutofit fontScale="85000" lnSpcReduction="10000"/>
+            <a:normAutofit fontScale="85000" lnSpcReduction="20000"/>
           </a:bodyPr>
           <a:lstStyle/>
           <a:p>
@@ -6080,8 +6069,13 @@
             </a:r>
             <a:r>
               <a:rPr lang="en-US" dirty="0" smtClean="0"/>
-              <a:t> day )in the life of a property claim ( binary classification problem )  - address</a:t>
-            </a:r>
+              <a:t> day )in the life of a property claim ( binary classification problem </a:t>
+            </a:r>
+            <a:r>
+              <a:rPr lang="en-US" dirty="0" smtClean="0"/>
+              <a:t>)</a:t>
+            </a:r>
+            <a:endParaRPr lang="en-US" dirty="0" smtClean="0"/>
           </a:p>
           <a:p>
             <a:r>
@@ -6213,8 +6207,17 @@
             </a:r>
             <a:r>
               <a:rPr lang="en-US" sz="2000" dirty="0"/>
-              <a:t>of a claims can help predict the likelihood of a claim having a subrogation recovery.</a:t>
-            </a:r>
+              <a:t>of a claims can help predict the likelihood of a claim having a subrogation recovery</a:t>
+            </a:r>
+            <a:r>
+              <a:rPr lang="en-US" sz="2000" dirty="0" smtClean="0"/>
+              <a:t>. The adjuster notes ( free form text ) by itself has valuable information to make successful predictions on the clai</a:t>
+            </a:r>
+            <a:r>
+              <a:rPr lang="en-US" sz="2000" dirty="0"/>
+              <a:t>m</a:t>
+            </a:r>
+            <a:endParaRPr lang="en-US" sz="2000" dirty="0"/>
           </a:p>
           <a:p>
             <a:endParaRPr lang="en-US" dirty="0"/>

--- a/projects/final-project/GA Project - HK.pptx
+++ b/projects/final-project/GA Project - HK.pptx
@@ -5,7 +5,7 @@
     <p:sldMasterId id="2147484056" r:id="rId1"/>
   </p:sldMasterIdLst>
   <p:notesMasterIdLst>
-    <p:notesMasterId r:id="rId21"/>
+    <p:notesMasterId r:id="rId28"/>
   </p:notesMasterIdLst>
   <p:sldIdLst>
     <p:sldId id="256" r:id="rId2"/>
@@ -26,7 +26,14 @@
     <p:sldId id="270" r:id="rId17"/>
     <p:sldId id="271" r:id="rId18"/>
     <p:sldId id="272" r:id="rId19"/>
-    <p:sldId id="273" r:id="rId20"/>
+    <p:sldId id="278" r:id="rId20"/>
+    <p:sldId id="273" r:id="rId21"/>
+    <p:sldId id="279" r:id="rId22"/>
+    <p:sldId id="275" r:id="rId23"/>
+    <p:sldId id="276" r:id="rId24"/>
+    <p:sldId id="280" r:id="rId25"/>
+    <p:sldId id="281" r:id="rId26"/>
+    <p:sldId id="277" r:id="rId27"/>
   </p:sldIdLst>
   <p:sldSz cx="12192000" cy="6858000"/>
   <p:notesSz cx="6858000" cy="9144000"/>
@@ -481,6 +488,258 @@
     </a:lvl9pPr>
   </p:notesStyle>
 </p:notesMaster>
+</file>
+
+<file path=ppt/notesSlides/notesSlide1.xml><?xml version="1.0" encoding="utf-8"?>
+<p:notes xmlns:a="http://schemas.openxmlformats.org/drawingml/2006/main" xmlns:r="http://schemas.openxmlformats.org/officeDocument/2006/relationships" xmlns:p="http://schemas.openxmlformats.org/presentationml/2006/main">
+  <p:cSld>
+    <p:spTree>
+      <p:nvGrpSpPr>
+        <p:cNvPr id="1" name=""/>
+        <p:cNvGrpSpPr/>
+        <p:nvPr/>
+      </p:nvGrpSpPr>
+      <p:grpSpPr>
+        <a:xfrm>
+          <a:off x="0" y="0"/>
+          <a:ext cx="0" cy="0"/>
+          <a:chOff x="0" y="0"/>
+          <a:chExt cx="0" cy="0"/>
+        </a:xfrm>
+      </p:grpSpPr>
+      <p:sp>
+        <p:nvSpPr>
+          <p:cNvPr id="2" name="Slide Image Placeholder 1"/>
+          <p:cNvSpPr>
+            <a:spLocks noGrp="1" noRot="1" noChangeAspect="1"/>
+          </p:cNvSpPr>
+          <p:nvPr>
+            <p:ph type="sldImg"/>
+          </p:nvPr>
+        </p:nvSpPr>
+        <p:spPr/>
+      </p:sp>
+      <p:sp>
+        <p:nvSpPr>
+          <p:cNvPr id="3" name="Notes Placeholder 2"/>
+          <p:cNvSpPr>
+            <a:spLocks noGrp="1"/>
+          </p:cNvSpPr>
+          <p:nvPr>
+            <p:ph type="body" idx="1"/>
+          </p:nvPr>
+        </p:nvSpPr>
+        <p:spPr/>
+        <p:txBody>
+          <a:bodyPr/>
+          <a:lstStyle/>
+          <a:p>
+            <a:endParaRPr lang="en-US" dirty="0"/>
+          </a:p>
+        </p:txBody>
+      </p:sp>
+      <p:sp>
+        <p:nvSpPr>
+          <p:cNvPr id="4" name="Slide Number Placeholder 3"/>
+          <p:cNvSpPr>
+            <a:spLocks noGrp="1"/>
+          </p:cNvSpPr>
+          <p:nvPr>
+            <p:ph type="sldNum" sz="quarter" idx="10"/>
+          </p:nvPr>
+        </p:nvSpPr>
+        <p:spPr/>
+        <p:txBody>
+          <a:bodyPr/>
+          <a:lstStyle/>
+          <a:p>
+            <a:fld id="{59DAFABB-D5B3-7944-B18D-C6B3388CEB86}" type="slidenum">
+              <a:rPr lang="en-US" smtClean="0"/>
+              <a:t>23</a:t>
+            </a:fld>
+            <a:endParaRPr lang="en-US"/>
+          </a:p>
+        </p:txBody>
+      </p:sp>
+    </p:spTree>
+    <p:extLst>
+      <p:ext uri="{BB962C8B-B14F-4D97-AF65-F5344CB8AC3E}">
+        <p14:creationId xmlns:p14="http://schemas.microsoft.com/office/powerpoint/2010/main" val="573339715"/>
+      </p:ext>
+    </p:extLst>
+  </p:cSld>
+  <p:clrMapOvr>
+    <a:masterClrMapping/>
+  </p:clrMapOvr>
+</p:notes>
+</file>
+
+<file path=ppt/notesSlides/notesSlide2.xml><?xml version="1.0" encoding="utf-8"?>
+<p:notes xmlns:a="http://schemas.openxmlformats.org/drawingml/2006/main" xmlns:r="http://schemas.openxmlformats.org/officeDocument/2006/relationships" xmlns:p="http://schemas.openxmlformats.org/presentationml/2006/main">
+  <p:cSld>
+    <p:spTree>
+      <p:nvGrpSpPr>
+        <p:cNvPr id="1" name=""/>
+        <p:cNvGrpSpPr/>
+        <p:nvPr/>
+      </p:nvGrpSpPr>
+      <p:grpSpPr>
+        <a:xfrm>
+          <a:off x="0" y="0"/>
+          <a:ext cx="0" cy="0"/>
+          <a:chOff x="0" y="0"/>
+          <a:chExt cx="0" cy="0"/>
+        </a:xfrm>
+      </p:grpSpPr>
+      <p:sp>
+        <p:nvSpPr>
+          <p:cNvPr id="2" name="Slide Image Placeholder 1"/>
+          <p:cNvSpPr>
+            <a:spLocks noGrp="1" noRot="1" noChangeAspect="1"/>
+          </p:cNvSpPr>
+          <p:nvPr>
+            <p:ph type="sldImg"/>
+          </p:nvPr>
+        </p:nvSpPr>
+        <p:spPr/>
+      </p:sp>
+      <p:sp>
+        <p:nvSpPr>
+          <p:cNvPr id="3" name="Notes Placeholder 2"/>
+          <p:cNvSpPr>
+            <a:spLocks noGrp="1"/>
+          </p:cNvSpPr>
+          <p:nvPr>
+            <p:ph type="body" idx="1"/>
+          </p:nvPr>
+        </p:nvSpPr>
+        <p:spPr/>
+        <p:txBody>
+          <a:bodyPr/>
+          <a:lstStyle/>
+          <a:p>
+            <a:endParaRPr lang="en-US" dirty="0"/>
+          </a:p>
+        </p:txBody>
+      </p:sp>
+      <p:sp>
+        <p:nvSpPr>
+          <p:cNvPr id="4" name="Slide Number Placeholder 3"/>
+          <p:cNvSpPr>
+            <a:spLocks noGrp="1"/>
+          </p:cNvSpPr>
+          <p:nvPr>
+            <p:ph type="sldNum" sz="quarter" idx="10"/>
+          </p:nvPr>
+        </p:nvSpPr>
+        <p:spPr/>
+        <p:txBody>
+          <a:bodyPr/>
+          <a:lstStyle/>
+          <a:p>
+            <a:fld id="{59DAFABB-D5B3-7944-B18D-C6B3388CEB86}" type="slidenum">
+              <a:rPr lang="en-US" smtClean="0"/>
+              <a:t>24</a:t>
+            </a:fld>
+            <a:endParaRPr lang="en-US"/>
+          </a:p>
+        </p:txBody>
+      </p:sp>
+    </p:spTree>
+    <p:extLst>
+      <p:ext uri="{BB962C8B-B14F-4D97-AF65-F5344CB8AC3E}">
+        <p14:creationId xmlns:p14="http://schemas.microsoft.com/office/powerpoint/2010/main" val="1530830737"/>
+      </p:ext>
+    </p:extLst>
+  </p:cSld>
+  <p:clrMapOvr>
+    <a:masterClrMapping/>
+  </p:clrMapOvr>
+</p:notes>
+</file>
+
+<file path=ppt/notesSlides/notesSlide3.xml><?xml version="1.0" encoding="utf-8"?>
+<p:notes xmlns:a="http://schemas.openxmlformats.org/drawingml/2006/main" xmlns:r="http://schemas.openxmlformats.org/officeDocument/2006/relationships" xmlns:p="http://schemas.openxmlformats.org/presentationml/2006/main">
+  <p:cSld>
+    <p:spTree>
+      <p:nvGrpSpPr>
+        <p:cNvPr id="1" name=""/>
+        <p:cNvGrpSpPr/>
+        <p:nvPr/>
+      </p:nvGrpSpPr>
+      <p:grpSpPr>
+        <a:xfrm>
+          <a:off x="0" y="0"/>
+          <a:ext cx="0" cy="0"/>
+          <a:chOff x="0" y="0"/>
+          <a:chExt cx="0" cy="0"/>
+        </a:xfrm>
+      </p:grpSpPr>
+      <p:sp>
+        <p:nvSpPr>
+          <p:cNvPr id="2" name="Slide Image Placeholder 1"/>
+          <p:cNvSpPr>
+            <a:spLocks noGrp="1" noRot="1" noChangeAspect="1"/>
+          </p:cNvSpPr>
+          <p:nvPr>
+            <p:ph type="sldImg"/>
+          </p:nvPr>
+        </p:nvSpPr>
+        <p:spPr/>
+      </p:sp>
+      <p:sp>
+        <p:nvSpPr>
+          <p:cNvPr id="3" name="Notes Placeholder 2"/>
+          <p:cNvSpPr>
+            <a:spLocks noGrp="1"/>
+          </p:cNvSpPr>
+          <p:nvPr>
+            <p:ph type="body" idx="1"/>
+          </p:nvPr>
+        </p:nvSpPr>
+        <p:spPr/>
+        <p:txBody>
+          <a:bodyPr/>
+          <a:lstStyle/>
+          <a:p>
+            <a:endParaRPr lang="en-US" dirty="0"/>
+          </a:p>
+        </p:txBody>
+      </p:sp>
+      <p:sp>
+        <p:nvSpPr>
+          <p:cNvPr id="4" name="Slide Number Placeholder 3"/>
+          <p:cNvSpPr>
+            <a:spLocks noGrp="1"/>
+          </p:cNvSpPr>
+          <p:nvPr>
+            <p:ph type="sldNum" sz="quarter" idx="10"/>
+          </p:nvPr>
+        </p:nvSpPr>
+        <p:spPr/>
+        <p:txBody>
+          <a:bodyPr/>
+          <a:lstStyle/>
+          <a:p>
+            <a:fld id="{59DAFABB-D5B3-7944-B18D-C6B3388CEB86}" type="slidenum">
+              <a:rPr lang="en-US" smtClean="0"/>
+              <a:t>25</a:t>
+            </a:fld>
+            <a:endParaRPr lang="en-US"/>
+          </a:p>
+        </p:txBody>
+      </p:sp>
+    </p:spTree>
+    <p:extLst>
+      <p:ext uri="{BB962C8B-B14F-4D97-AF65-F5344CB8AC3E}">
+        <p14:creationId xmlns:p14="http://schemas.microsoft.com/office/powerpoint/2010/main" val="64397958"/>
+      </p:ext>
+    </p:extLst>
+  </p:cSld>
+  <p:clrMapOvr>
+    <a:masterClrMapping/>
+  </p:clrMapOvr>
+</p:notes>
 </file>
 
 <file path=ppt/slideLayouts/slideLayout1.xml><?xml version="1.0" encoding="utf-8"?>
@@ -4936,7 +5195,7 @@
         </p:spPr>
         <p:txBody>
           <a:bodyPr>
-            <a:normAutofit/>
+            <a:normAutofit fontScale="90000"/>
           </a:bodyPr>
           <a:lstStyle/>
           <a:p>
@@ -4953,7 +5212,26 @@
             </a:br>
             <a:r>
               <a:rPr lang="en-US" sz="2200" dirty="0" smtClean="0"/>
-              <a:t>Variable Correlation Matrix ( not including the adjuster notes )</a:t>
+              <a:t>Variable Correlation Matrix ( not including the adjuster notes </a:t>
+            </a:r>
+            <a:r>
+              <a:rPr lang="en-US" sz="2200" dirty="0" smtClean="0"/>
+              <a:t>) </a:t>
+            </a:r>
+            <a:br>
+              <a:rPr lang="en-US" sz="2200" dirty="0" smtClean="0"/>
+            </a:br>
+            <a:r>
+              <a:rPr lang="en-US" sz="2200" dirty="0" smtClean="0"/>
+              <a:t>– None of the structure </a:t>
+            </a:r>
+            <a:r>
+              <a:rPr lang="en-US" sz="2200" dirty="0" err="1" smtClean="0"/>
+              <a:t>int</a:t>
+            </a:r>
+            <a:r>
+              <a:rPr lang="en-US" sz="2200" dirty="0" smtClean="0"/>
+              <a:t> data points are that correlated with the target</a:t>
             </a:r>
             <a:r>
               <a:rPr lang="en-US" sz="2200" dirty="0"/>
@@ -4968,7 +5246,7 @@
       </p:sp>
       <p:pic>
         <p:nvPicPr>
-          <p:cNvPr id="5" name="Content Placeholder 4"/>
+          <p:cNvPr id="4" name="Content Placeholder 3"/>
           <p:cNvPicPr>
             <a:picLocks noGrp="1" noChangeAspect="1"/>
           </p:cNvPicPr>
@@ -4977,19 +5255,22 @@
           </p:nvPr>
         </p:nvPicPr>
         <p:blipFill>
-          <a:blip r:embed="rId2"/>
+          <a:blip r:embed="rId2">
+            <a:extLst>
+              <a:ext uri="{28A0092B-C50C-407E-A947-70E740481C1C}">
+                <a14:useLocalDpi xmlns:a14="http://schemas.microsoft.com/office/drawing/2010/main" val="0"/>
+              </a:ext>
+            </a:extLst>
+          </a:blip>
           <a:stretch>
             <a:fillRect/>
           </a:stretch>
         </p:blipFill>
         <p:spPr>
           <a:xfrm>
-            <a:off x="1487488" y="1947863"/>
-            <a:ext cx="9277350" cy="3819525"/>
+            <a:off x="1096963" y="1858004"/>
+            <a:ext cx="10058400" cy="3999243"/>
           </a:xfrm>
-          <a:prstGeom prst="rect">
-            <a:avLst/>
-          </a:prstGeom>
         </p:spPr>
       </p:pic>
     </p:spTree>
@@ -5427,7 +5708,7 @@
     </p:spTree>
     <p:extLst>
       <p:ext uri="{BB962C8B-B14F-4D97-AF65-F5344CB8AC3E}">
-        <p14:creationId xmlns:p14="http://schemas.microsoft.com/office/powerpoint/2010/main" val="4052122811"/>
+        <p14:creationId xmlns:p14="http://schemas.microsoft.com/office/powerpoint/2010/main" val="996579276"/>
       </p:ext>
     </p:extLst>
   </p:cSld>
@@ -5597,6 +5878,938 @@
     <p:extLst>
       <p:ext uri="{BB962C8B-B14F-4D97-AF65-F5344CB8AC3E}">
         <p14:creationId xmlns:p14="http://schemas.microsoft.com/office/powerpoint/2010/main" val="518527959"/>
+      </p:ext>
+    </p:extLst>
+  </p:cSld>
+  <p:clrMapOvr>
+    <a:masterClrMapping/>
+  </p:clrMapOvr>
+  <p:timing>
+    <p:tnLst>
+      <p:par>
+        <p:cTn id="1" dur="indefinite" restart="never" nodeType="tmRoot"/>
+      </p:par>
+    </p:tnLst>
+  </p:timing>
+</p:sld>
+</file>
+
+<file path=ppt/slides/slide20.xml><?xml version="1.0" encoding="utf-8"?>
+<p:sld xmlns:a="http://schemas.openxmlformats.org/drawingml/2006/main" xmlns:r="http://schemas.openxmlformats.org/officeDocument/2006/relationships" xmlns:p="http://schemas.openxmlformats.org/presentationml/2006/main">
+  <p:cSld>
+    <p:spTree>
+      <p:nvGrpSpPr>
+        <p:cNvPr id="1" name=""/>
+        <p:cNvGrpSpPr/>
+        <p:nvPr/>
+      </p:nvGrpSpPr>
+      <p:grpSpPr>
+        <a:xfrm>
+          <a:off x="0" y="0"/>
+          <a:ext cx="0" cy="0"/>
+          <a:chOff x="0" y="0"/>
+          <a:chExt cx="0" cy="0"/>
+        </a:xfrm>
+      </p:grpSpPr>
+      <p:sp>
+        <p:nvSpPr>
+          <p:cNvPr id="2" name="Title 1"/>
+          <p:cNvSpPr>
+            <a:spLocks noGrp="1"/>
+          </p:cNvSpPr>
+          <p:nvPr>
+            <p:ph type="title"/>
+          </p:nvPr>
+        </p:nvSpPr>
+        <p:spPr>
+          <a:xfrm>
+            <a:off x="1097280" y="286603"/>
+            <a:ext cx="10058400" cy="1194725"/>
+          </a:xfrm>
+        </p:spPr>
+        <p:txBody>
+          <a:bodyPr>
+            <a:normAutofit/>
+          </a:bodyPr>
+          <a:lstStyle/>
+          <a:p>
+            <a:r>
+              <a:rPr lang="en-US" sz="3600" dirty="0"/>
+              <a:t>Exploratory Data Analysis:</a:t>
+            </a:r>
+            <a:br>
+              <a:rPr lang="en-US" sz="3600" dirty="0"/>
+            </a:br>
+            <a:r>
+              <a:rPr lang="en-US" sz="2200" dirty="0" smtClean="0"/>
+              <a:t>An unbalanced classification problem ( target signal is at 2 % )</a:t>
+            </a:r>
+            <a:endParaRPr lang="en-US" sz="2200" dirty="0"/>
+          </a:p>
+        </p:txBody>
+      </p:sp>
+      <p:pic>
+        <p:nvPicPr>
+          <p:cNvPr id="3" name="Picture 2"/>
+          <p:cNvPicPr>
+            <a:picLocks noChangeAspect="1"/>
+          </p:cNvPicPr>
+          <p:nvPr/>
+        </p:nvPicPr>
+        <p:blipFill>
+          <a:blip r:embed="rId2">
+            <a:extLst>
+              <a:ext uri="{28A0092B-C50C-407E-A947-70E740481C1C}">
+                <a14:useLocalDpi xmlns:a14="http://schemas.microsoft.com/office/drawing/2010/main" val="0"/>
+              </a:ext>
+            </a:extLst>
+          </a:blip>
+          <a:stretch>
+            <a:fillRect/>
+          </a:stretch>
+        </p:blipFill>
+        <p:spPr>
+          <a:xfrm>
+            <a:off x="1315742" y="1853685"/>
+            <a:ext cx="8220188" cy="4160273"/>
+          </a:xfrm>
+          <a:prstGeom prst="rect">
+            <a:avLst/>
+          </a:prstGeom>
+        </p:spPr>
+      </p:pic>
+    </p:spTree>
+    <p:extLst>
+      <p:ext uri="{BB962C8B-B14F-4D97-AF65-F5344CB8AC3E}">
+        <p14:creationId xmlns:p14="http://schemas.microsoft.com/office/powerpoint/2010/main" val="4052122811"/>
+      </p:ext>
+    </p:extLst>
+  </p:cSld>
+  <p:clrMapOvr>
+    <a:masterClrMapping/>
+  </p:clrMapOvr>
+</p:sld>
+</file>
+
+<file path=ppt/slides/slide21.xml><?xml version="1.0" encoding="utf-8"?>
+<p:sld xmlns:a="http://schemas.openxmlformats.org/drawingml/2006/main" xmlns:r="http://schemas.openxmlformats.org/officeDocument/2006/relationships" xmlns:p="http://schemas.openxmlformats.org/presentationml/2006/main">
+  <p:cSld>
+    <p:spTree>
+      <p:nvGrpSpPr>
+        <p:cNvPr id="1" name=""/>
+        <p:cNvGrpSpPr/>
+        <p:nvPr/>
+      </p:nvGrpSpPr>
+      <p:grpSpPr>
+        <a:xfrm>
+          <a:off x="0" y="0"/>
+          <a:ext cx="0" cy="0"/>
+          <a:chOff x="0" y="0"/>
+          <a:chExt cx="0" cy="0"/>
+        </a:xfrm>
+      </p:grpSpPr>
+      <p:sp>
+        <p:nvSpPr>
+          <p:cNvPr id="2" name="Title 1"/>
+          <p:cNvSpPr>
+            <a:spLocks noGrp="1"/>
+          </p:cNvSpPr>
+          <p:nvPr>
+            <p:ph type="title"/>
+          </p:nvPr>
+        </p:nvSpPr>
+        <p:spPr>
+          <a:xfrm>
+            <a:off x="1097280" y="286603"/>
+            <a:ext cx="10058400" cy="1194725"/>
+          </a:xfrm>
+        </p:spPr>
+        <p:txBody>
+          <a:bodyPr>
+            <a:normAutofit/>
+          </a:bodyPr>
+          <a:lstStyle/>
+          <a:p>
+            <a:r>
+              <a:rPr lang="en-US" sz="3600" dirty="0"/>
+              <a:t>Exploratory Data Analysis:</a:t>
+            </a:r>
+            <a:br>
+              <a:rPr lang="en-US" sz="3600" dirty="0"/>
+            </a:br>
+            <a:r>
+              <a:rPr lang="en-US" sz="2200" dirty="0" smtClean="0"/>
+              <a:t>An unbalanced classification problem ( target signal is at 2 % )</a:t>
+            </a:r>
+            <a:endParaRPr lang="en-US" sz="2200" dirty="0"/>
+          </a:p>
+        </p:txBody>
+      </p:sp>
+      <p:pic>
+        <p:nvPicPr>
+          <p:cNvPr id="6" name="Content Placeholder 5"/>
+          <p:cNvPicPr>
+            <a:picLocks noGrp="1" noChangeAspect="1"/>
+          </p:cNvPicPr>
+          <p:nvPr>
+            <p:ph idx="1"/>
+          </p:nvPr>
+        </p:nvPicPr>
+        <p:blipFill>
+          <a:blip r:embed="rId2">
+            <a:extLst>
+              <a:ext uri="{28A0092B-C50C-407E-A947-70E740481C1C}">
+                <a14:useLocalDpi xmlns:a14="http://schemas.microsoft.com/office/drawing/2010/main" val="0"/>
+              </a:ext>
+            </a:extLst>
+          </a:blip>
+          <a:stretch>
+            <a:fillRect/>
+          </a:stretch>
+        </p:blipFill>
+        <p:spPr>
+          <a:xfrm>
+            <a:off x="2214563" y="1740444"/>
+            <a:ext cx="6969662" cy="4500020"/>
+          </a:xfrm>
+        </p:spPr>
+      </p:pic>
+    </p:spTree>
+    <p:extLst>
+      <p:ext uri="{BB962C8B-B14F-4D97-AF65-F5344CB8AC3E}">
+        <p14:creationId xmlns:p14="http://schemas.microsoft.com/office/powerpoint/2010/main" val="2118681886"/>
+      </p:ext>
+    </p:extLst>
+  </p:cSld>
+  <p:clrMapOvr>
+    <a:masterClrMapping/>
+  </p:clrMapOvr>
+</p:sld>
+</file>
+
+<file path=ppt/slides/slide22.xml><?xml version="1.0" encoding="utf-8"?>
+<p:sld xmlns:a="http://schemas.openxmlformats.org/drawingml/2006/main" xmlns:r="http://schemas.openxmlformats.org/officeDocument/2006/relationships" xmlns:p="http://schemas.openxmlformats.org/presentationml/2006/main">
+  <p:cSld>
+    <p:spTree>
+      <p:nvGrpSpPr>
+        <p:cNvPr id="1" name=""/>
+        <p:cNvGrpSpPr/>
+        <p:nvPr/>
+      </p:nvGrpSpPr>
+      <p:grpSpPr>
+        <a:xfrm>
+          <a:off x="0" y="0"/>
+          <a:ext cx="0" cy="0"/>
+          <a:chOff x="0" y="0"/>
+          <a:chExt cx="0" cy="0"/>
+        </a:xfrm>
+      </p:grpSpPr>
+      <p:sp>
+        <p:nvSpPr>
+          <p:cNvPr id="2" name="Title 1"/>
+          <p:cNvSpPr>
+            <a:spLocks noGrp="1"/>
+          </p:cNvSpPr>
+          <p:nvPr>
+            <p:ph type="ctrTitle"/>
+          </p:nvPr>
+        </p:nvSpPr>
+        <p:spPr/>
+        <p:txBody>
+          <a:bodyPr>
+            <a:normAutofit/>
+          </a:bodyPr>
+          <a:lstStyle/>
+          <a:p>
+            <a:r>
+              <a:rPr lang="en-US" dirty="0" smtClean="0"/>
+              <a:t>GA - Project Part </a:t>
+            </a:r>
+            <a:r>
+              <a:rPr lang="en-US" dirty="0" smtClean="0"/>
+              <a:t>4</a:t>
+            </a:r>
+            <a:r>
+              <a:rPr lang="en-US" dirty="0" smtClean="0"/>
+              <a:t/>
+            </a:r>
+            <a:br>
+              <a:rPr lang="en-US" dirty="0" smtClean="0"/>
+            </a:br>
+            <a:r>
+              <a:rPr lang="en-US" sz="4000" dirty="0" smtClean="0"/>
+              <a:t>( </a:t>
+            </a:r>
+            <a:r>
+              <a:rPr lang="en-US" sz="4000" dirty="0" smtClean="0"/>
+              <a:t>Model Training and Evaluation)</a:t>
+            </a:r>
+            <a:endParaRPr lang="en-US" sz="4000" dirty="0"/>
+          </a:p>
+        </p:txBody>
+      </p:sp>
+      <p:sp>
+        <p:nvSpPr>
+          <p:cNvPr id="3" name="Subtitle 2"/>
+          <p:cNvSpPr>
+            <a:spLocks noGrp="1"/>
+          </p:cNvSpPr>
+          <p:nvPr>
+            <p:ph type="subTitle" idx="1"/>
+          </p:nvPr>
+        </p:nvSpPr>
+        <p:spPr/>
+        <p:txBody>
+          <a:bodyPr/>
+          <a:lstStyle/>
+          <a:p>
+            <a:r>
+              <a:rPr lang="en-US" dirty="0" smtClean="0"/>
+              <a:t>Harini Kalavala – Jul 2017</a:t>
+            </a:r>
+            <a:endParaRPr lang="en-US" dirty="0"/>
+          </a:p>
+        </p:txBody>
+      </p:sp>
+    </p:spTree>
+    <p:extLst>
+      <p:ext uri="{BB962C8B-B14F-4D97-AF65-F5344CB8AC3E}">
+        <p14:creationId xmlns:p14="http://schemas.microsoft.com/office/powerpoint/2010/main" val="1445327993"/>
+      </p:ext>
+    </p:extLst>
+  </p:cSld>
+  <p:clrMapOvr>
+    <a:masterClrMapping/>
+  </p:clrMapOvr>
+  <p:timing>
+    <p:tnLst>
+      <p:par>
+        <p:cTn id="1" dur="indefinite" restart="never" nodeType="tmRoot"/>
+      </p:par>
+    </p:tnLst>
+  </p:timing>
+</p:sld>
+</file>
+
+<file path=ppt/slides/slide23.xml><?xml version="1.0" encoding="utf-8"?>
+<p:sld xmlns:a="http://schemas.openxmlformats.org/drawingml/2006/main" xmlns:r="http://schemas.openxmlformats.org/officeDocument/2006/relationships" xmlns:p="http://schemas.openxmlformats.org/presentationml/2006/main">
+  <p:cSld>
+    <p:spTree>
+      <p:nvGrpSpPr>
+        <p:cNvPr id="1" name=""/>
+        <p:cNvGrpSpPr/>
+        <p:nvPr/>
+      </p:nvGrpSpPr>
+      <p:grpSpPr>
+        <a:xfrm>
+          <a:off x="0" y="0"/>
+          <a:ext cx="0" cy="0"/>
+          <a:chOff x="0" y="0"/>
+          <a:chExt cx="0" cy="0"/>
+        </a:xfrm>
+      </p:grpSpPr>
+      <p:sp>
+        <p:nvSpPr>
+          <p:cNvPr id="2" name="Title 1"/>
+          <p:cNvSpPr>
+            <a:spLocks noGrp="1"/>
+          </p:cNvSpPr>
+          <p:nvPr>
+            <p:ph type="title"/>
+          </p:nvPr>
+        </p:nvSpPr>
+        <p:spPr>
+          <a:xfrm>
+            <a:off x="1097280" y="286603"/>
+            <a:ext cx="10058400" cy="1395893"/>
+          </a:xfrm>
+        </p:spPr>
+        <p:txBody>
+          <a:bodyPr/>
+          <a:lstStyle/>
+          <a:p>
+            <a:r>
+              <a:rPr lang="en-US" dirty="0" smtClean="0"/>
+              <a:t>Modeling Approach and Steps:</a:t>
+            </a:r>
+            <a:endParaRPr lang="en-US" dirty="0"/>
+          </a:p>
+        </p:txBody>
+      </p:sp>
+      <p:sp>
+        <p:nvSpPr>
+          <p:cNvPr id="3" name="Content Placeholder 2"/>
+          <p:cNvSpPr>
+            <a:spLocks noGrp="1"/>
+          </p:cNvSpPr>
+          <p:nvPr>
+            <p:ph idx="1"/>
+          </p:nvPr>
+        </p:nvSpPr>
+        <p:spPr>
+          <a:xfrm>
+            <a:off x="1097279" y="1833859"/>
+            <a:ext cx="10386159" cy="4471938"/>
+          </a:xfrm>
+        </p:spPr>
+        <p:txBody>
+          <a:bodyPr>
+            <a:normAutofit/>
+          </a:bodyPr>
+          <a:lstStyle/>
+          <a:p>
+            <a:pPr marL="0" indent="0">
+              <a:buNone/>
+            </a:pPr>
+            <a:r>
+              <a:rPr lang="en-US" sz="2200" b="1" dirty="0" smtClean="0"/>
+              <a:t>Variable Transformations / Feature Engineering: </a:t>
+            </a:r>
+          </a:p>
+          <a:p>
+            <a:pPr>
+              <a:buFont typeface="Arial" panose="020B0604020202020204" pitchFamily="34" charset="0"/>
+              <a:buChar char="•"/>
+            </a:pPr>
+            <a:r>
+              <a:rPr lang="en-US" sz="2200" dirty="0"/>
+              <a:t> </a:t>
+            </a:r>
+            <a:r>
+              <a:rPr lang="en-US" sz="2200" dirty="0" smtClean="0"/>
+              <a:t>Regrouped the cause of losses so that there are 3 primary and everything else get grouped to other.  More than 90% of the records belong to these primary caused of loss.</a:t>
+            </a:r>
+          </a:p>
+          <a:p>
+            <a:pPr>
+              <a:buFont typeface="Arial" panose="020B0604020202020204" pitchFamily="34" charset="0"/>
+              <a:buChar char="•"/>
+            </a:pPr>
+            <a:r>
+              <a:rPr lang="en-US" sz="2200" dirty="0" smtClean="0"/>
+              <a:t> A negligible percent of the records have null values for adjuster </a:t>
+            </a:r>
+            <a:r>
+              <a:rPr lang="en-US" sz="2200" dirty="0" err="1" smtClean="0"/>
+              <a:t>notes.Dropped</a:t>
+            </a:r>
+            <a:r>
+              <a:rPr lang="en-US" sz="2200" dirty="0" smtClean="0"/>
+              <a:t> these records</a:t>
+            </a:r>
+          </a:p>
+          <a:p>
+            <a:pPr>
+              <a:buFont typeface="Arial" panose="020B0604020202020204" pitchFamily="34" charset="0"/>
+              <a:buChar char="•"/>
+            </a:pPr>
+            <a:r>
+              <a:rPr lang="en-US" sz="2200" dirty="0" smtClean="0"/>
+              <a:t>Applied basic feature engineering using </a:t>
+            </a:r>
+            <a:r>
+              <a:rPr lang="en-US" sz="2200" dirty="0" err="1" smtClean="0"/>
+              <a:t>get_dummies</a:t>
+            </a:r>
+            <a:r>
+              <a:rPr lang="en-US" sz="2200" dirty="0" smtClean="0"/>
+              <a:t> to convert categorical variables into the discrete numerical variables. </a:t>
+            </a:r>
+          </a:p>
+          <a:p>
+            <a:pPr>
+              <a:buFont typeface="Arial" panose="020B0604020202020204" pitchFamily="34" charset="0"/>
+              <a:buChar char="•"/>
+            </a:pPr>
+            <a:r>
+              <a:rPr lang="en-US" sz="2200" dirty="0"/>
+              <a:t> </a:t>
+            </a:r>
+            <a:r>
+              <a:rPr lang="en-US" sz="2200" dirty="0" err="1" smtClean="0"/>
+              <a:t>CountVectorizer</a:t>
+            </a:r>
+            <a:r>
+              <a:rPr lang="en-US" sz="2200" dirty="0" smtClean="0"/>
+              <a:t> didn’t appear to be of practical value.</a:t>
+            </a:r>
+          </a:p>
+          <a:p>
+            <a:pPr>
+              <a:buFont typeface="Arial" panose="020B0604020202020204" pitchFamily="34" charset="0"/>
+              <a:buChar char="•"/>
+            </a:pPr>
+            <a:r>
+              <a:rPr lang="en-US" sz="2200" dirty="0"/>
+              <a:t> </a:t>
+            </a:r>
+            <a:r>
+              <a:rPr lang="en-US" sz="2200" dirty="0" smtClean="0"/>
+              <a:t>Applied TDIF </a:t>
+            </a:r>
+            <a:r>
+              <a:rPr lang="en-US" sz="2200" dirty="0" err="1"/>
+              <a:t>V</a:t>
+            </a:r>
+            <a:r>
+              <a:rPr lang="en-US" sz="2200" dirty="0" err="1" smtClean="0"/>
+              <a:t>ectorizer</a:t>
+            </a:r>
+            <a:r>
+              <a:rPr lang="en-US" sz="2200" dirty="0" smtClean="0"/>
+              <a:t> ( NLP ) transformation to adjuster notes.</a:t>
+            </a:r>
+          </a:p>
+        </p:txBody>
+      </p:sp>
+    </p:spTree>
+    <p:extLst>
+      <p:ext uri="{BB962C8B-B14F-4D97-AF65-F5344CB8AC3E}">
+        <p14:creationId xmlns:p14="http://schemas.microsoft.com/office/powerpoint/2010/main" val="1445773463"/>
+      </p:ext>
+    </p:extLst>
+  </p:cSld>
+  <p:clrMapOvr>
+    <a:masterClrMapping/>
+  </p:clrMapOvr>
+  <p:timing>
+    <p:tnLst>
+      <p:par>
+        <p:cTn id="1" dur="indefinite" restart="never" nodeType="tmRoot"/>
+      </p:par>
+    </p:tnLst>
+  </p:timing>
+</p:sld>
+</file>
+
+<file path=ppt/slides/slide24.xml><?xml version="1.0" encoding="utf-8"?>
+<p:sld xmlns:a="http://schemas.openxmlformats.org/drawingml/2006/main" xmlns:r="http://schemas.openxmlformats.org/officeDocument/2006/relationships" xmlns:p="http://schemas.openxmlformats.org/presentationml/2006/main">
+  <p:cSld>
+    <p:spTree>
+      <p:nvGrpSpPr>
+        <p:cNvPr id="1" name=""/>
+        <p:cNvGrpSpPr/>
+        <p:nvPr/>
+      </p:nvGrpSpPr>
+      <p:grpSpPr>
+        <a:xfrm>
+          <a:off x="0" y="0"/>
+          <a:ext cx="0" cy="0"/>
+          <a:chOff x="0" y="0"/>
+          <a:chExt cx="0" cy="0"/>
+        </a:xfrm>
+      </p:grpSpPr>
+      <p:sp>
+        <p:nvSpPr>
+          <p:cNvPr id="2" name="Title 1"/>
+          <p:cNvSpPr>
+            <a:spLocks noGrp="1"/>
+          </p:cNvSpPr>
+          <p:nvPr>
+            <p:ph type="title"/>
+          </p:nvPr>
+        </p:nvSpPr>
+        <p:spPr>
+          <a:xfrm>
+            <a:off x="1097280" y="286603"/>
+            <a:ext cx="10058400" cy="1395893"/>
+          </a:xfrm>
+        </p:spPr>
+        <p:txBody>
+          <a:bodyPr/>
+          <a:lstStyle/>
+          <a:p>
+            <a:r>
+              <a:rPr lang="en-US" dirty="0" smtClean="0"/>
+              <a:t>Modeling Approach and Steps ( </a:t>
+            </a:r>
+            <a:r>
+              <a:rPr lang="en-US" dirty="0" err="1" smtClean="0"/>
+              <a:t>cont</a:t>
+            </a:r>
+            <a:r>
+              <a:rPr lang="en-US" dirty="0" smtClean="0"/>
+              <a:t> ):</a:t>
+            </a:r>
+            <a:endParaRPr lang="en-US" dirty="0"/>
+          </a:p>
+        </p:txBody>
+      </p:sp>
+      <p:sp>
+        <p:nvSpPr>
+          <p:cNvPr id="3" name="Content Placeholder 2"/>
+          <p:cNvSpPr>
+            <a:spLocks noGrp="1"/>
+          </p:cNvSpPr>
+          <p:nvPr>
+            <p:ph idx="1"/>
+          </p:nvPr>
+        </p:nvSpPr>
+        <p:spPr>
+          <a:xfrm>
+            <a:off x="1097279" y="1833859"/>
+            <a:ext cx="10386159" cy="4471938"/>
+          </a:xfrm>
+        </p:spPr>
+        <p:txBody>
+          <a:bodyPr>
+            <a:normAutofit/>
+          </a:bodyPr>
+          <a:lstStyle/>
+          <a:p>
+            <a:pPr marL="0" indent="0">
+              <a:buNone/>
+            </a:pPr>
+            <a:r>
+              <a:rPr lang="en-US" sz="2200" b="1" dirty="0" smtClean="0"/>
+              <a:t>Model Training: </a:t>
+            </a:r>
+          </a:p>
+          <a:p>
+            <a:pPr>
+              <a:buFont typeface="Arial" panose="020B0604020202020204" pitchFamily="34" charset="0"/>
+              <a:buChar char="•"/>
+            </a:pPr>
+            <a:r>
+              <a:rPr lang="en-US" sz="2200" dirty="0" smtClean="0"/>
+              <a:t> 67% of the dataset was used for training the model</a:t>
+            </a:r>
+          </a:p>
+          <a:p>
+            <a:pPr>
+              <a:buFont typeface="Arial" panose="020B0604020202020204" pitchFamily="34" charset="0"/>
+              <a:buChar char="•"/>
+            </a:pPr>
+            <a:r>
+              <a:rPr lang="en-US" sz="2200" dirty="0" smtClean="0"/>
+              <a:t>Count </a:t>
+            </a:r>
+            <a:r>
+              <a:rPr lang="en-US" sz="2200" dirty="0" err="1"/>
+              <a:t>Vectorizer</a:t>
+            </a:r>
+            <a:r>
+              <a:rPr lang="en-US" sz="2200" dirty="0"/>
+              <a:t> with Decision Trees resulted in a low ”ROC-AUC” with 5 fold cross validation ( ~ 0.53 </a:t>
+            </a:r>
+            <a:r>
+              <a:rPr lang="en-US" sz="2200" dirty="0" smtClean="0"/>
+              <a:t>)</a:t>
+            </a:r>
+          </a:p>
+          <a:p>
+            <a:pPr>
+              <a:buFont typeface="Arial" panose="020B0604020202020204" pitchFamily="34" charset="0"/>
+              <a:buChar char="•"/>
+            </a:pPr>
+            <a:r>
+              <a:rPr lang="en-US" sz="2200" dirty="0" smtClean="0"/>
+              <a:t> TDIF </a:t>
+            </a:r>
+            <a:r>
+              <a:rPr lang="en-US" sz="2200" dirty="0" err="1" smtClean="0"/>
+              <a:t>Vectorizer</a:t>
+            </a:r>
+            <a:r>
+              <a:rPr lang="en-US" sz="2200" dirty="0" smtClean="0"/>
+              <a:t> with Random Forest resulted in a little better “ROC-AUC” with 5 fold cross validation ( ~0.66 )</a:t>
+            </a:r>
+          </a:p>
+          <a:p>
+            <a:pPr>
+              <a:buFont typeface="Arial" panose="020B0604020202020204" pitchFamily="34" charset="0"/>
+              <a:buChar char="•"/>
+            </a:pPr>
+            <a:r>
+              <a:rPr lang="en-US" sz="2200" dirty="0" smtClean="0"/>
+              <a:t>TDIF </a:t>
+            </a:r>
+            <a:r>
+              <a:rPr lang="en-US" sz="2200" dirty="0" err="1" smtClean="0"/>
+              <a:t>Vectorizer</a:t>
+            </a:r>
+            <a:r>
+              <a:rPr lang="en-US" sz="2200" dirty="0" smtClean="0"/>
+              <a:t> with XG Gradient Boost ( optimized with a set of parameters ) resulted in a good ”ROC-AUC” with 5 fold cross validation ( ~0.84)</a:t>
+            </a:r>
+          </a:p>
+        </p:txBody>
+      </p:sp>
+    </p:spTree>
+    <p:extLst>
+      <p:ext uri="{BB962C8B-B14F-4D97-AF65-F5344CB8AC3E}">
+        <p14:creationId xmlns:p14="http://schemas.microsoft.com/office/powerpoint/2010/main" val="1196559035"/>
+      </p:ext>
+    </p:extLst>
+  </p:cSld>
+  <p:clrMapOvr>
+    <a:masterClrMapping/>
+  </p:clrMapOvr>
+  <p:timing>
+    <p:tnLst>
+      <p:par>
+        <p:cTn id="1" dur="indefinite" restart="never" nodeType="tmRoot"/>
+      </p:par>
+    </p:tnLst>
+  </p:timing>
+</p:sld>
+</file>
+
+<file path=ppt/slides/slide25.xml><?xml version="1.0" encoding="utf-8"?>
+<p:sld xmlns:a="http://schemas.openxmlformats.org/drawingml/2006/main" xmlns:r="http://schemas.openxmlformats.org/officeDocument/2006/relationships" xmlns:p="http://schemas.openxmlformats.org/presentationml/2006/main">
+  <p:cSld>
+    <p:spTree>
+      <p:nvGrpSpPr>
+        <p:cNvPr id="1" name=""/>
+        <p:cNvGrpSpPr/>
+        <p:nvPr/>
+      </p:nvGrpSpPr>
+      <p:grpSpPr>
+        <a:xfrm>
+          <a:off x="0" y="0"/>
+          <a:ext cx="0" cy="0"/>
+          <a:chOff x="0" y="0"/>
+          <a:chExt cx="0" cy="0"/>
+        </a:xfrm>
+      </p:grpSpPr>
+      <p:sp>
+        <p:nvSpPr>
+          <p:cNvPr id="2" name="Title 1"/>
+          <p:cNvSpPr>
+            <a:spLocks noGrp="1"/>
+          </p:cNvSpPr>
+          <p:nvPr>
+            <p:ph type="title"/>
+          </p:nvPr>
+        </p:nvSpPr>
+        <p:spPr>
+          <a:xfrm>
+            <a:off x="1097280" y="286604"/>
+            <a:ext cx="10058400" cy="1031558"/>
+          </a:xfrm>
+        </p:spPr>
+        <p:txBody>
+          <a:bodyPr/>
+          <a:lstStyle/>
+          <a:p>
+            <a:r>
+              <a:rPr lang="en-US" dirty="0" smtClean="0"/>
+              <a:t>Modeling Approach and Steps ( </a:t>
+            </a:r>
+            <a:r>
+              <a:rPr lang="en-US" dirty="0" err="1" smtClean="0"/>
+              <a:t>cont</a:t>
+            </a:r>
+            <a:r>
+              <a:rPr lang="en-US" dirty="0" smtClean="0"/>
+              <a:t> ):</a:t>
+            </a:r>
+            <a:endParaRPr lang="en-US" dirty="0"/>
+          </a:p>
+        </p:txBody>
+      </p:sp>
+      <p:sp>
+        <p:nvSpPr>
+          <p:cNvPr id="3" name="Content Placeholder 2"/>
+          <p:cNvSpPr>
+            <a:spLocks noGrp="1"/>
+          </p:cNvSpPr>
+          <p:nvPr>
+            <p:ph idx="1"/>
+          </p:nvPr>
+        </p:nvSpPr>
+        <p:spPr>
+          <a:xfrm>
+            <a:off x="1097279" y="1833859"/>
+            <a:ext cx="10386159" cy="4471938"/>
+          </a:xfrm>
+        </p:spPr>
+        <p:txBody>
+          <a:bodyPr>
+            <a:normAutofit/>
+          </a:bodyPr>
+          <a:lstStyle/>
+          <a:p>
+            <a:pPr marL="0" indent="0">
+              <a:buNone/>
+            </a:pPr>
+            <a:r>
+              <a:rPr lang="en-US" sz="2200" b="1" dirty="0" smtClean="0"/>
+              <a:t>Model Testing(Hold Out Set): </a:t>
+            </a:r>
+          </a:p>
+          <a:p>
+            <a:pPr>
+              <a:buFont typeface="Arial" panose="020B0604020202020204" pitchFamily="34" charset="0"/>
+              <a:buChar char="•"/>
+            </a:pPr>
+            <a:r>
+              <a:rPr lang="en-US" sz="2200" dirty="0" smtClean="0"/>
+              <a:t> 33% of the dataset was used for testing the final selected model</a:t>
+            </a:r>
+          </a:p>
+          <a:p>
+            <a:pPr>
+              <a:buFont typeface="Arial" panose="020B0604020202020204" pitchFamily="34" charset="0"/>
+              <a:buChar char="•"/>
+            </a:pPr>
+            <a:r>
+              <a:rPr lang="en-US" sz="2200" dirty="0" smtClean="0"/>
+              <a:t>The model held up on it’s performance with an “ROC-AUC” score of ~0.84</a:t>
+            </a:r>
+          </a:p>
+          <a:p>
+            <a:pPr>
+              <a:buFont typeface="Arial" panose="020B0604020202020204" pitchFamily="34" charset="0"/>
+              <a:buChar char="•"/>
+            </a:pPr>
+            <a:r>
+              <a:rPr lang="en-US" sz="2200" dirty="0"/>
+              <a:t> </a:t>
+            </a:r>
+            <a:r>
+              <a:rPr lang="en-US" sz="2200" dirty="0" smtClean="0"/>
+              <a:t>A plot of the curve shown in next slide</a:t>
+            </a:r>
+          </a:p>
+          <a:p>
+            <a:pPr>
+              <a:buFont typeface="Arial" panose="020B0604020202020204" pitchFamily="34" charset="0"/>
+              <a:buChar char="•"/>
+            </a:pPr>
+            <a:endParaRPr lang="en-US" sz="2200" dirty="0"/>
+          </a:p>
+          <a:p>
+            <a:pPr marL="0" indent="0">
+              <a:buNone/>
+            </a:pPr>
+            <a:r>
+              <a:rPr lang="en-US" sz="2200" b="1" dirty="0" smtClean="0"/>
+              <a:t>Model Application:</a:t>
+            </a:r>
+          </a:p>
+          <a:p>
+            <a:pPr>
+              <a:buFont typeface="Arial" panose="020B0604020202020204" pitchFamily="34" charset="0"/>
+              <a:buChar char="•"/>
+            </a:pPr>
+            <a:r>
+              <a:rPr lang="en-US" sz="2200" dirty="0"/>
+              <a:t> Analyze the prediction outcome </a:t>
+            </a:r>
+            <a:r>
+              <a:rPr lang="en-US" sz="2200" dirty="0" smtClean="0"/>
+              <a:t>and the Confusion Matrix at different thresholds to derive the optimum threshold that would work for the given business problem</a:t>
+            </a:r>
+            <a:endParaRPr lang="en-US" sz="2200" b="1" dirty="0" smtClean="0"/>
+          </a:p>
+          <a:p>
+            <a:pPr>
+              <a:buFont typeface="Arial" panose="020B0604020202020204" pitchFamily="34" charset="0"/>
+              <a:buChar char="•"/>
+            </a:pPr>
+            <a:endParaRPr lang="en-US" sz="2200" dirty="0" smtClean="0"/>
+          </a:p>
+        </p:txBody>
+      </p:sp>
+    </p:spTree>
+    <p:extLst>
+      <p:ext uri="{BB962C8B-B14F-4D97-AF65-F5344CB8AC3E}">
+        <p14:creationId xmlns:p14="http://schemas.microsoft.com/office/powerpoint/2010/main" val="1143701465"/>
+      </p:ext>
+    </p:extLst>
+  </p:cSld>
+  <p:clrMapOvr>
+    <a:masterClrMapping/>
+  </p:clrMapOvr>
+  <p:timing>
+    <p:tnLst>
+      <p:par>
+        <p:cTn id="1" dur="indefinite" restart="never" nodeType="tmRoot"/>
+      </p:par>
+    </p:tnLst>
+  </p:timing>
+</p:sld>
+</file>
+
+<file path=ppt/slides/slide26.xml><?xml version="1.0" encoding="utf-8"?>
+<p:sld xmlns:a="http://schemas.openxmlformats.org/drawingml/2006/main" xmlns:r="http://schemas.openxmlformats.org/officeDocument/2006/relationships" xmlns:p="http://schemas.openxmlformats.org/presentationml/2006/main">
+  <p:cSld>
+    <p:spTree>
+      <p:nvGrpSpPr>
+        <p:cNvPr id="1" name=""/>
+        <p:cNvGrpSpPr/>
+        <p:nvPr/>
+      </p:nvGrpSpPr>
+      <p:grpSpPr>
+        <a:xfrm>
+          <a:off x="0" y="0"/>
+          <a:ext cx="0" cy="0"/>
+          <a:chOff x="0" y="0"/>
+          <a:chExt cx="0" cy="0"/>
+        </a:xfrm>
+      </p:grpSpPr>
+      <p:sp>
+        <p:nvSpPr>
+          <p:cNvPr id="2" name="Title 1"/>
+          <p:cNvSpPr>
+            <a:spLocks noGrp="1"/>
+          </p:cNvSpPr>
+          <p:nvPr>
+            <p:ph type="title"/>
+          </p:nvPr>
+        </p:nvSpPr>
+        <p:spPr>
+          <a:xfrm>
+            <a:off x="1097280" y="286603"/>
+            <a:ext cx="10058400" cy="1395893"/>
+          </a:xfrm>
+        </p:spPr>
+        <p:txBody>
+          <a:bodyPr/>
+          <a:lstStyle/>
+          <a:p>
+            <a:r>
+              <a:rPr lang="en-US" dirty="0" smtClean="0"/>
+              <a:t>Model Test – ROC AUC Curve</a:t>
+            </a:r>
+            <a:endParaRPr lang="en-US" dirty="0"/>
+          </a:p>
+        </p:txBody>
+      </p:sp>
+      <p:pic>
+        <p:nvPicPr>
+          <p:cNvPr id="4" name="Content Placeholder 3"/>
+          <p:cNvPicPr>
+            <a:picLocks noGrp="1" noChangeAspect="1"/>
+          </p:cNvPicPr>
+          <p:nvPr>
+            <p:ph idx="1"/>
+          </p:nvPr>
+        </p:nvPicPr>
+        <p:blipFill>
+          <a:blip r:embed="rId2">
+            <a:extLst>
+              <a:ext uri="{28A0092B-C50C-407E-A947-70E740481C1C}">
+                <a14:useLocalDpi xmlns:a14="http://schemas.microsoft.com/office/drawing/2010/main" val="0"/>
+              </a:ext>
+            </a:extLst>
+          </a:blip>
+          <a:stretch>
+            <a:fillRect/>
+          </a:stretch>
+        </p:blipFill>
+        <p:spPr>
+          <a:xfrm>
+            <a:off x="3185318" y="1983122"/>
+            <a:ext cx="6244431" cy="4150184"/>
+          </a:xfrm>
+        </p:spPr>
+      </p:pic>
+    </p:spTree>
+    <p:extLst>
+      <p:ext uri="{BB962C8B-B14F-4D97-AF65-F5344CB8AC3E}">
+        <p14:creationId xmlns:p14="http://schemas.microsoft.com/office/powerpoint/2010/main" val="1028871866"/>
       </p:ext>
     </p:extLst>
   </p:cSld>

--- a/projects/final-project/GA Project - HK.pptx
+++ b/projects/final-project/GA Project - HK.pptx
@@ -6685,7 +6685,7 @@
             </a:pPr>
             <a:r>
               <a:rPr lang="en-US" sz="2200" b="1" dirty="0" smtClean="0"/>
-              <a:t>Model Application:</a:t>
+              <a:t>Model Application (Next Steps):</a:t>
             </a:r>
           </a:p>
           <a:p>
@@ -6699,7 +6699,21 @@
             </a:r>
             <a:r>
               <a:rPr lang="en-US" sz="2200" dirty="0" smtClean="0"/>
-              <a:t>and the Confusion Matrix at different thresholds to derive the optimum threshold that would work for the given business problem</a:t>
+              <a:t>and the Confusion Matrix at different thresholds to derive the optimum threshold that would work for the given business problem.</a:t>
+            </a:r>
+          </a:p>
+          <a:p>
+            <a:pPr>
+              <a:buFont typeface="Arial" panose="020B0604020202020204" pitchFamily="34" charset="0"/>
+              <a:buChar char="•"/>
+            </a:pPr>
+            <a:r>
+              <a:rPr lang="en-US" sz="2200" b="1" dirty="0"/>
+              <a:t> </a:t>
+            </a:r>
+            <a:r>
+              <a:rPr lang="en-US" sz="2200" dirty="0" smtClean="0"/>
+              <a:t>Since it’s an imbalanced classifier, either down sample or up sample the dataset and see if we can get a better prediction.</a:t>
             </a:r>
             <a:endParaRPr lang="en-US" sz="2200" b="1" dirty="0" smtClean="0"/>
           </a:p>
